--- a/interaktiver Fragebogen zu Schadensdaten.pptx
+++ b/interaktiver Fragebogen zu Schadensdaten.pptx
@@ -12,6 +12,13 @@
     <p:sldId id="261" r:id="rId6"/>
     <p:sldId id="262" r:id="rId7"/>
     <p:sldId id="263" r:id="rId8"/>
+    <p:sldId id="266" r:id="rId9"/>
+    <p:sldId id="267" r:id="rId10"/>
+    <p:sldId id="269" r:id="rId11"/>
+    <p:sldId id="270" r:id="rId12"/>
+    <p:sldId id="271" r:id="rId13"/>
+    <p:sldId id="272" r:id="rId14"/>
+    <p:sldId id="274" r:id="rId15"/>
   </p:sldIdLst>
   <p:sldSz cx="12192000" cy="6858000"/>
   <p:notesSz cx="6858000" cy="9144000"/>
@@ -257,7 +264,7 @@
           <a:p>
             <a:fld id="{48A87A34-81AB-432B-8DAE-1953F412C126}" type="datetimeFigureOut">
               <a:rPr lang="en-US" dirty="0"/>
-              <a:t>12/13/2018</a:t>
+              <a:t>12/17/18</a:t>
             </a:fld>
             <a:endParaRPr lang="en-US" dirty="0"/>
           </a:p>
@@ -309,7 +316,7 @@
           <a:p>
             <a:fld id="{6D22F896-40B5-4ADD-8801-0D06FADFA095}" type="slidenum">
               <a:rPr lang="en-US" dirty="0"/>
-              <a:t>‹Nº›</a:t>
+              <a:t>‹Nr.›</a:t>
             </a:fld>
             <a:endParaRPr lang="en-US" dirty="0"/>
           </a:p>
@@ -463,7 +470,7 @@
           <a:p>
             <a:fld id="{48A87A34-81AB-432B-8DAE-1953F412C126}" type="datetimeFigureOut">
               <a:rPr lang="en-US" dirty="0"/>
-              <a:t>12/13/2018</a:t>
+              <a:t>12/17/18</a:t>
             </a:fld>
             <a:endParaRPr lang="en-US" dirty="0"/>
           </a:p>
@@ -505,7 +512,7 @@
           <a:p>
             <a:fld id="{6D22F896-40B5-4ADD-8801-0D06FADFA095}" type="slidenum">
               <a:rPr lang="en-US" dirty="0"/>
-              <a:t>‹Nº›</a:t>
+              <a:t>‹Nr.›</a:t>
             </a:fld>
             <a:endParaRPr lang="en-US" dirty="0"/>
           </a:p>
@@ -673,7 +680,7 @@
           <a:p>
             <a:fld id="{48A87A34-81AB-432B-8DAE-1953F412C126}" type="datetimeFigureOut">
               <a:rPr lang="en-US" dirty="0"/>
-              <a:t>12/13/2018</a:t>
+              <a:t>12/17/18</a:t>
             </a:fld>
             <a:endParaRPr lang="en-US" dirty="0"/>
           </a:p>
@@ -715,7 +722,7 @@
           <a:p>
             <a:fld id="{6D22F896-40B5-4ADD-8801-0D06FADFA095}" type="slidenum">
               <a:rPr lang="en-US" dirty="0"/>
-              <a:t>‹Nº›</a:t>
+              <a:t>‹Nr.›</a:t>
             </a:fld>
             <a:endParaRPr lang="en-US" dirty="0"/>
           </a:p>
@@ -869,7 +876,7 @@
           <a:p>
             <a:fld id="{48A87A34-81AB-432B-8DAE-1953F412C126}" type="datetimeFigureOut">
               <a:rPr lang="en-US" dirty="0"/>
-              <a:t>12/13/2018</a:t>
+              <a:t>12/17/18</a:t>
             </a:fld>
             <a:endParaRPr lang="en-US" dirty="0"/>
           </a:p>
@@ -911,7 +918,7 @@
           <a:p>
             <a:fld id="{6D22F896-40B5-4ADD-8801-0D06FADFA095}" type="slidenum">
               <a:rPr lang="en-US" dirty="0"/>
-              <a:t>‹Nº›</a:t>
+              <a:t>‹Nr.›</a:t>
             </a:fld>
             <a:endParaRPr lang="en-US" dirty="0"/>
           </a:p>
@@ -1143,7 +1150,7 @@
           <a:p>
             <a:fld id="{48A87A34-81AB-432B-8DAE-1953F412C126}" type="datetimeFigureOut">
               <a:rPr lang="en-US" dirty="0"/>
-              <a:t>12/13/2018</a:t>
+              <a:t>12/17/18</a:t>
             </a:fld>
             <a:endParaRPr lang="en-US" dirty="0"/>
           </a:p>
@@ -1185,7 +1192,7 @@
           <a:p>
             <a:fld id="{6D22F896-40B5-4ADD-8801-0D06FADFA095}" type="slidenum">
               <a:rPr lang="en-US" dirty="0"/>
-              <a:t>‹Nº›</a:t>
+              <a:t>‹Nr.›</a:t>
             </a:fld>
             <a:endParaRPr lang="en-US" dirty="0"/>
           </a:p>
@@ -1406,7 +1413,7 @@
           <a:p>
             <a:fld id="{48A87A34-81AB-432B-8DAE-1953F412C126}" type="datetimeFigureOut">
               <a:rPr lang="en-US" dirty="0"/>
-              <a:t>12/13/2018</a:t>
+              <a:t>12/17/18</a:t>
             </a:fld>
             <a:endParaRPr lang="en-US" dirty="0"/>
           </a:p>
@@ -1448,7 +1455,7 @@
           <a:p>
             <a:fld id="{6D22F896-40B5-4ADD-8801-0D06FADFA095}" type="slidenum">
               <a:rPr lang="en-US" dirty="0"/>
-              <a:t>‹Nº›</a:t>
+              <a:t>‹Nr.›</a:t>
             </a:fld>
             <a:endParaRPr lang="en-US" dirty="0"/>
           </a:p>
@@ -1817,7 +1824,7 @@
           <a:p>
             <a:fld id="{48A87A34-81AB-432B-8DAE-1953F412C126}" type="datetimeFigureOut">
               <a:rPr lang="en-US" dirty="0"/>
-              <a:t>12/13/2018</a:t>
+              <a:t>12/17/18</a:t>
             </a:fld>
             <a:endParaRPr lang="en-US" dirty="0"/>
           </a:p>
@@ -1859,7 +1866,7 @@
           <a:p>
             <a:fld id="{6D22F896-40B5-4ADD-8801-0D06FADFA095}" type="slidenum">
               <a:rPr lang="en-US" dirty="0"/>
-              <a:t>‹Nº›</a:t>
+              <a:t>‹Nr.›</a:t>
             </a:fld>
             <a:endParaRPr lang="en-US" dirty="0"/>
           </a:p>
@@ -1961,7 +1968,7 @@
           <a:p>
             <a:fld id="{48A87A34-81AB-432B-8DAE-1953F412C126}" type="datetimeFigureOut">
               <a:rPr lang="en-US" dirty="0"/>
-              <a:t>12/13/2018</a:t>
+              <a:t>12/17/18</a:t>
             </a:fld>
             <a:endParaRPr lang="en-US" dirty="0"/>
           </a:p>
@@ -2003,7 +2010,7 @@
           <a:p>
             <a:fld id="{6D22F896-40B5-4ADD-8801-0D06FADFA095}" type="slidenum">
               <a:rPr lang="en-US" dirty="0"/>
-              <a:t>‹Nº›</a:t>
+              <a:t>‹Nr.›</a:t>
             </a:fld>
             <a:endParaRPr lang="en-US" dirty="0"/>
           </a:p>
@@ -2082,7 +2089,7 @@
           <a:p>
             <a:fld id="{48A87A34-81AB-432B-8DAE-1953F412C126}" type="datetimeFigureOut">
               <a:rPr lang="en-US" dirty="0"/>
-              <a:t>12/13/2018</a:t>
+              <a:t>12/17/18</a:t>
             </a:fld>
             <a:endParaRPr lang="en-US" dirty="0"/>
           </a:p>
@@ -2124,7 +2131,7 @@
           <a:p>
             <a:fld id="{6D22F896-40B5-4ADD-8801-0D06FADFA095}" type="slidenum">
               <a:rPr lang="en-US" dirty="0"/>
-              <a:t>‹Nº›</a:t>
+              <a:t>‹Nr.›</a:t>
             </a:fld>
             <a:endParaRPr lang="en-US" dirty="0"/>
           </a:p>
@@ -2328,7 +2335,7 @@
           <a:p>
             <a:fld id="{48A87A34-81AB-432B-8DAE-1953F412C126}" type="datetimeFigureOut">
               <a:rPr lang="en-US" dirty="0"/>
-              <a:t>12/13/2018</a:t>
+              <a:t>12/17/18</a:t>
             </a:fld>
             <a:endParaRPr lang="en-US" dirty="0"/>
           </a:p>
@@ -2370,7 +2377,7 @@
           <a:p>
             <a:fld id="{6D22F896-40B5-4ADD-8801-0D06FADFA095}" type="slidenum">
               <a:rPr lang="en-US" dirty="0"/>
-              <a:t>‹Nº›</a:t>
+              <a:t>‹Nr.›</a:t>
             </a:fld>
             <a:endParaRPr lang="en-US" dirty="0"/>
           </a:p>
@@ -2769,7 +2776,7 @@
             <a:fld id="{48A87A34-81AB-432B-8DAE-1953F412C126}" type="datetimeFigureOut">
               <a:rPr lang="en-US" dirty="0"/>
               <a:pPr/>
-              <a:t>12/13/2018</a:t>
+              <a:t>12/17/18</a:t>
             </a:fld>
             <a:endParaRPr lang="en-US" dirty="0"/>
           </a:p>
@@ -2816,7 +2823,7 @@
           <a:p>
             <a:fld id="{6D22F896-40B5-4ADD-8801-0D06FADFA095}" type="slidenum">
               <a:rPr lang="en-US" dirty="0"/>
-              <a:t>‹Nº›</a:t>
+              <a:t>‹Nr.›</a:t>
             </a:fld>
             <a:endParaRPr lang="en-US" dirty="0"/>
           </a:p>
@@ -3091,7 +3098,7 @@
             <a:fld id="{48A87A34-81AB-432B-8DAE-1953F412C126}" type="datetimeFigureOut">
               <a:rPr lang="en-US" dirty="0"/>
               <a:pPr/>
-              <a:t>12/13/2018</a:t>
+              <a:t>12/17/18</a:t>
             </a:fld>
             <a:endParaRPr lang="en-US" dirty="0"/>
           </a:p>
@@ -3168,7 +3175,7 @@
             <a:fld id="{6D22F896-40B5-4ADD-8801-0D06FADFA095}" type="slidenum">
               <a:rPr lang="en-US" dirty="0"/>
               <a:pPr/>
-              <a:t>‹Nº›</a:t>
+              <a:t>‹Nr.›</a:t>
             </a:fld>
             <a:endParaRPr lang="en-US" dirty="0"/>
           </a:p>
@@ -3783,6 +3790,2852 @@
 </p:sld>
 </file>
 
+<file path=ppt/slides/slide10.xml><?xml version="1.0" encoding="utf-8"?>
+<p:sld xmlns:a="http://schemas.openxmlformats.org/drawingml/2006/main" xmlns:r="http://schemas.openxmlformats.org/officeDocument/2006/relationships" xmlns:p="http://schemas.openxmlformats.org/presentationml/2006/main">
+  <p:cSld>
+    <p:bg>
+      <p:bgPr>
+        <a:gradFill rotWithShape="1">
+          <a:gsLst>
+            <a:gs pos="0">
+              <a:schemeClr val="bg2">
+                <a:tint val="94000"/>
+                <a:satMod val="80000"/>
+                <a:lumMod val="106000"/>
+              </a:schemeClr>
+            </a:gs>
+            <a:gs pos="100000">
+              <a:schemeClr val="bg2">
+                <a:shade val="80000"/>
+              </a:schemeClr>
+            </a:gs>
+          </a:gsLst>
+          <a:path path="circle">
+            <a:fillToRect l="43000" r="43000" b="100000"/>
+          </a:path>
+        </a:gradFill>
+        <a:effectLst/>
+      </p:bgPr>
+    </p:bg>
+    <p:spTree>
+      <p:nvGrpSpPr>
+        <p:cNvPr id="1" name=""/>
+        <p:cNvGrpSpPr/>
+        <p:nvPr/>
+      </p:nvGrpSpPr>
+      <p:grpSpPr>
+        <a:xfrm>
+          <a:off x="0" y="0"/>
+          <a:ext cx="0" cy="0"/>
+          <a:chOff x="0" y="0"/>
+          <a:chExt cx="0" cy="0"/>
+        </a:xfrm>
+      </p:grpSpPr>
+      <p:sp>
+        <p:nvSpPr>
+          <p:cNvPr id="32" name="Rectangle 31">
+            <a:extLst>
+              <a:ext uri="{FF2B5EF4-FFF2-40B4-BE49-F238E27FC236}">
+                <a16:creationId xmlns:a16="http://schemas.microsoft.com/office/drawing/2014/main" id="{0CABCAE3-64FC-4149-819F-2C1812824154}"/>
+              </a:ext>
+              <a:ext uri="{C183D7F6-B498-43B3-948B-1728B52AA6E4}">
+                <adec:decorative xmlns:adec="http://schemas.microsoft.com/office/drawing/2017/decorative" val="1"/>
+              </a:ext>
+            </a:extLst>
+          </p:cNvPr>
+          <p:cNvSpPr>
+            <a:spLocks noGrp="1" noRot="1" noChangeAspect="1" noMove="1" noResize="1" noEditPoints="1" noAdjustHandles="1" noChangeArrowheads="1" noChangeShapeType="1" noTextEdit="1"/>
+          </p:cNvSpPr>
+          <p:nvPr>
+            <p:extLst>
+              <p:ext uri="{386F3935-93C4-4BCD-93E2-E3B085C9AB24}">
+                <p16:designElem xmlns:p16="http://schemas.microsoft.com/office/powerpoint/2015/main" val="1"/>
+              </p:ext>
+            </p:extLst>
+          </p:nvPr>
+        </p:nvSpPr>
+        <p:spPr>
+          <a:xfrm>
+            <a:off x="0" y="2019476"/>
+            <a:ext cx="12192000" cy="4105941"/>
+          </a:xfrm>
+          <a:prstGeom prst="rect">
+            <a:avLst/>
+          </a:prstGeom>
+          <a:gradFill flip="none" rotWithShape="1">
+            <a:gsLst>
+              <a:gs pos="0">
+                <a:schemeClr val="bg2">
+                  <a:alpha val="0"/>
+                </a:schemeClr>
+              </a:gs>
+              <a:gs pos="100000">
+                <a:schemeClr val="bg2"/>
+              </a:gs>
+            </a:gsLst>
+            <a:lin ang="5400000" scaled="0"/>
+            <a:tileRect/>
+          </a:gradFill>
+          <a:ln>
+            <a:noFill/>
+          </a:ln>
+        </p:spPr>
+        <p:style>
+          <a:lnRef idx="2">
+            <a:schemeClr val="accent1">
+              <a:shade val="50000"/>
+            </a:schemeClr>
+          </a:lnRef>
+          <a:fillRef idx="1">
+            <a:schemeClr val="accent1"/>
+          </a:fillRef>
+          <a:effectRef idx="0">
+            <a:schemeClr val="accent1"/>
+          </a:effectRef>
+          <a:fontRef idx="minor">
+            <a:schemeClr val="lt1"/>
+          </a:fontRef>
+        </p:style>
+      </p:sp>
+      <p:pic>
+        <p:nvPicPr>
+          <p:cNvPr id="34" name="Picture 33">
+            <a:extLst>
+              <a:ext uri="{FF2B5EF4-FFF2-40B4-BE49-F238E27FC236}">
+                <a16:creationId xmlns:a16="http://schemas.microsoft.com/office/drawing/2014/main" id="{012FDCFE-9AD2-4D8A-8CBF-B3AA37EBF6DD}"/>
+              </a:ext>
+              <a:ext uri="{C183D7F6-B498-43B3-948B-1728B52AA6E4}">
+                <adec:decorative xmlns:adec="http://schemas.microsoft.com/office/drawing/2017/decorative" val="1"/>
+              </a:ext>
+            </a:extLst>
+          </p:cNvPr>
+          <p:cNvPicPr>
+            <a:picLocks noGrp="1" noRot="1" noChangeAspect="1" noMove="1" noResize="1" noEditPoints="1" noAdjustHandles="1" noChangeArrowheads="1" noChangeShapeType="1" noCrop="1"/>
+          </p:cNvPicPr>
+          <p:nvPr>
+            <p:extLst>
+              <p:ext uri="{386F3935-93C4-4BCD-93E2-E3B085C9AB24}">
+                <p16:designElem xmlns:p16="http://schemas.microsoft.com/office/powerpoint/2015/main" val="1"/>
+              </p:ext>
+            </p:extLst>
+          </p:nvPr>
+        </p:nvPicPr>
+        <p:blipFill rotWithShape="1">
+          <a:blip r:embed="rId2">
+            <a:extLst>
+              <a:ext uri="{28A0092B-C50C-407E-A947-70E740481C1C}">
+                <a14:useLocalDpi xmlns:a14="http://schemas.microsoft.com/office/drawing/2010/main" val="0"/>
+              </a:ext>
+            </a:extLst>
+          </a:blip>
+          <a:srcRect t="1538" b="-1538"/>
+          <a:stretch/>
+        </p:blipFill>
+        <p:spPr bwMode="black">
+          <a:xfrm>
+            <a:off x="0" y="6126480"/>
+            <a:ext cx="12192000" cy="742950"/>
+          </a:xfrm>
+          <a:prstGeom prst="rect">
+            <a:avLst/>
+          </a:prstGeom>
+        </p:spPr>
+      </p:pic>
+      <p:cxnSp>
+        <p:nvCxnSpPr>
+          <p:cNvPr id="36" name="Straight Connector 35">
+            <a:extLst>
+              <a:ext uri="{FF2B5EF4-FFF2-40B4-BE49-F238E27FC236}">
+                <a16:creationId xmlns:a16="http://schemas.microsoft.com/office/drawing/2014/main" id="{FBD463FC-4CA8-4FF4-85A3-AF9F4B98D210}"/>
+              </a:ext>
+              <a:ext uri="{C183D7F6-B498-43B3-948B-1728B52AA6E4}">
+                <adec:decorative xmlns:adec="http://schemas.microsoft.com/office/drawing/2017/decorative" val="1"/>
+              </a:ext>
+            </a:extLst>
+          </p:cNvPr>
+          <p:cNvCxnSpPr>
+            <a:cxnSpLocks noGrp="1" noRot="1" noChangeAspect="1" noMove="1" noResize="1" noEditPoints="1" noAdjustHandles="1" noChangeArrowheads="1" noChangeShapeType="1"/>
+          </p:cNvCxnSpPr>
+          <p:nvPr>
+            <p:extLst>
+              <p:ext uri="{386F3935-93C4-4BCD-93E2-E3B085C9AB24}">
+                <p16:designElem xmlns:p16="http://schemas.microsoft.com/office/powerpoint/2015/main" val="1"/>
+              </p:ext>
+            </p:extLst>
+          </p:nvPr>
+        </p:nvCxnSpPr>
+        <p:spPr>
+          <a:xfrm>
+            <a:off x="0" y="6128413"/>
+            <a:ext cx="12192000" cy="0"/>
+          </a:xfrm>
+          <a:prstGeom prst="line">
+            <a:avLst/>
+          </a:prstGeom>
+          <a:ln w="12700">
+            <a:solidFill>
+              <a:srgbClr val="000001">
+                <a:alpha val="20000"/>
+              </a:srgbClr>
+            </a:solidFill>
+          </a:ln>
+        </p:spPr>
+        <p:style>
+          <a:lnRef idx="1">
+            <a:schemeClr val="accent1"/>
+          </a:lnRef>
+          <a:fillRef idx="0">
+            <a:schemeClr val="accent1"/>
+          </a:fillRef>
+          <a:effectRef idx="0">
+            <a:schemeClr val="accent1"/>
+          </a:effectRef>
+          <a:fontRef idx="minor">
+            <a:schemeClr val="tx1"/>
+          </a:fontRef>
+        </p:style>
+      </p:cxnSp>
+      <p:cxnSp>
+        <p:nvCxnSpPr>
+          <p:cNvPr id="38" name="Straight Connector 37">
+            <a:extLst>
+              <a:ext uri="{FF2B5EF4-FFF2-40B4-BE49-F238E27FC236}">
+                <a16:creationId xmlns:a16="http://schemas.microsoft.com/office/drawing/2014/main" id="{BECF35C3-8B44-4F4B-BD25-4C01823DB22A}"/>
+              </a:ext>
+              <a:ext uri="{C183D7F6-B498-43B3-948B-1728B52AA6E4}">
+                <adec:decorative xmlns:adec="http://schemas.microsoft.com/office/drawing/2017/decorative" val="1"/>
+              </a:ext>
+            </a:extLst>
+          </p:cNvPr>
+          <p:cNvCxnSpPr>
+            <a:cxnSpLocks noGrp="1" noRot="1" noChangeAspect="1" noMove="1" noResize="1" noEditPoints="1" noAdjustHandles="1" noChangeArrowheads="1" noChangeShapeType="1"/>
+          </p:cNvCxnSpPr>
+          <p:nvPr>
+            <p:extLst>
+              <p:ext uri="{386F3935-93C4-4BCD-93E2-E3B085C9AB24}">
+                <p16:designElem xmlns:p16="http://schemas.microsoft.com/office/powerpoint/2015/main" val="1"/>
+              </p:ext>
+            </p:extLst>
+          </p:nvPr>
+        </p:nvCxnSpPr>
+        <p:spPr>
+          <a:xfrm>
+            <a:off x="2417780" y="3528542"/>
+            <a:ext cx="8637072" cy="0"/>
+          </a:xfrm>
+          <a:prstGeom prst="line">
+            <a:avLst/>
+          </a:prstGeom>
+          <a:ln w="31750"/>
+        </p:spPr>
+        <p:style>
+          <a:lnRef idx="3">
+            <a:schemeClr val="accent1"/>
+          </a:lnRef>
+          <a:fillRef idx="0">
+            <a:schemeClr val="accent1"/>
+          </a:fillRef>
+          <a:effectRef idx="2">
+            <a:schemeClr val="accent1"/>
+          </a:effectRef>
+          <a:fontRef idx="minor">
+            <a:schemeClr val="tx1"/>
+          </a:fontRef>
+        </p:style>
+      </p:cxnSp>
+      <p:sp useBgFill="1">
+        <p:nvSpPr>
+          <p:cNvPr id="40" name="Rectangle 39">
+            <a:extLst>
+              <a:ext uri="{FF2B5EF4-FFF2-40B4-BE49-F238E27FC236}">
+                <a16:creationId xmlns:a16="http://schemas.microsoft.com/office/drawing/2014/main" id="{D0712110-0BC1-4B31-B3BB-63B44222E87F}"/>
+              </a:ext>
+              <a:ext uri="{C183D7F6-B498-43B3-948B-1728B52AA6E4}">
+                <adec:decorative xmlns:adec="http://schemas.microsoft.com/office/drawing/2017/decorative" val="1"/>
+              </a:ext>
+            </a:extLst>
+          </p:cNvPr>
+          <p:cNvSpPr>
+            <a:spLocks noGrp="1" noRot="1" noChangeAspect="1" noMove="1" noResize="1" noEditPoints="1" noAdjustHandles="1" noChangeArrowheads="1" noChangeShapeType="1" noTextEdit="1"/>
+          </p:cNvSpPr>
+          <p:nvPr>
+            <p:extLst>
+              <p:ext uri="{386F3935-93C4-4BCD-93E2-E3B085C9AB24}">
+                <p16:designElem xmlns:p16="http://schemas.microsoft.com/office/powerpoint/2015/main" val="1"/>
+              </p:ext>
+            </p:extLst>
+          </p:nvPr>
+        </p:nvSpPr>
+        <p:spPr>
+          <a:xfrm>
+            <a:off x="2" y="0"/>
+            <a:ext cx="12191695" cy="6858000"/>
+          </a:xfrm>
+          <a:prstGeom prst="rect">
+            <a:avLst/>
+          </a:prstGeom>
+          <a:ln>
+            <a:noFill/>
+          </a:ln>
+        </p:spPr>
+        <p:style>
+          <a:lnRef idx="2">
+            <a:schemeClr val="accent1">
+              <a:shade val="50000"/>
+            </a:schemeClr>
+          </a:lnRef>
+          <a:fillRef idx="1">
+            <a:schemeClr val="accent1"/>
+          </a:fillRef>
+          <a:effectRef idx="0">
+            <a:schemeClr val="accent1"/>
+          </a:effectRef>
+          <a:fontRef idx="minor">
+            <a:schemeClr val="lt1"/>
+          </a:fontRef>
+        </p:style>
+        <p:txBody>
+          <a:bodyPr rtlCol="0" anchor="ctr"/>
+          <a:lstStyle/>
+          <a:p>
+            <a:pPr algn="ctr"/>
+            <a:endParaRPr lang="en-US"/>
+          </a:p>
+        </p:txBody>
+      </p:sp>
+      <p:sp>
+        <p:nvSpPr>
+          <p:cNvPr id="42" name="Rectangle 41">
+            <a:extLst>
+              <a:ext uri="{FF2B5EF4-FFF2-40B4-BE49-F238E27FC236}">
+                <a16:creationId xmlns:a16="http://schemas.microsoft.com/office/drawing/2014/main" id="{4466B5F3-C053-4580-B04A-1EF949888280}"/>
+              </a:ext>
+              <a:ext uri="{C183D7F6-B498-43B3-948B-1728B52AA6E4}">
+                <adec:decorative xmlns:adec="http://schemas.microsoft.com/office/drawing/2017/decorative" val="1"/>
+              </a:ext>
+            </a:extLst>
+          </p:cNvPr>
+          <p:cNvSpPr>
+            <a:spLocks noGrp="1" noRot="1" noChangeAspect="1" noMove="1" noResize="1" noEditPoints="1" noAdjustHandles="1" noChangeArrowheads="1" noChangeShapeType="1" noTextEdit="1"/>
+          </p:cNvSpPr>
+          <p:nvPr>
+            <p:extLst>
+              <p:ext uri="{386F3935-93C4-4BCD-93E2-E3B085C9AB24}">
+                <p16:designElem xmlns:p16="http://schemas.microsoft.com/office/powerpoint/2015/main" val="1"/>
+              </p:ext>
+            </p:extLst>
+          </p:nvPr>
+        </p:nvSpPr>
+        <p:spPr>
+          <a:xfrm>
+            <a:off x="0" y="2019476"/>
+            <a:ext cx="12192000" cy="4105941"/>
+          </a:xfrm>
+          <a:prstGeom prst="rect">
+            <a:avLst/>
+          </a:prstGeom>
+          <a:gradFill flip="none" rotWithShape="1">
+            <a:gsLst>
+              <a:gs pos="0">
+                <a:schemeClr val="bg2">
+                  <a:alpha val="0"/>
+                </a:schemeClr>
+              </a:gs>
+              <a:gs pos="100000">
+                <a:schemeClr val="bg2"/>
+              </a:gs>
+            </a:gsLst>
+            <a:lin ang="5400000" scaled="0"/>
+            <a:tileRect/>
+          </a:gradFill>
+          <a:ln>
+            <a:noFill/>
+          </a:ln>
+        </p:spPr>
+        <p:style>
+          <a:lnRef idx="2">
+            <a:schemeClr val="accent1">
+              <a:shade val="50000"/>
+            </a:schemeClr>
+          </a:lnRef>
+          <a:fillRef idx="1">
+            <a:schemeClr val="accent1"/>
+          </a:fillRef>
+          <a:effectRef idx="0">
+            <a:schemeClr val="accent1"/>
+          </a:effectRef>
+          <a:fontRef idx="minor">
+            <a:schemeClr val="lt1"/>
+          </a:fontRef>
+        </p:style>
+        <p:txBody>
+          <a:bodyPr rtlCol="0" anchor="ctr"/>
+          <a:lstStyle/>
+          <a:p>
+            <a:pPr lvl="0" algn="ctr"/>
+            <a:endParaRPr lang="en-US"/>
+          </a:p>
+        </p:txBody>
+      </p:sp>
+      <p:sp>
+        <p:nvSpPr>
+          <p:cNvPr id="2" name="Titel 1">
+            <a:extLst>
+              <a:ext uri="{FF2B5EF4-FFF2-40B4-BE49-F238E27FC236}">
+                <a16:creationId xmlns:a16="http://schemas.microsoft.com/office/drawing/2014/main" id="{99F2C7D8-5D70-104F-8302-A96740D08A8A}"/>
+              </a:ext>
+            </a:extLst>
+          </p:cNvPr>
+          <p:cNvSpPr>
+            <a:spLocks noGrp="1"/>
+          </p:cNvSpPr>
+          <p:nvPr>
+            <p:ph type="title"/>
+          </p:nvPr>
+        </p:nvSpPr>
+        <p:spPr>
+          <a:xfrm>
+            <a:off x="1452616" y="962902"/>
+            <a:ext cx="4176384" cy="2380828"/>
+          </a:xfrm>
+        </p:spPr>
+        <p:txBody>
+          <a:bodyPr vert="horz" lIns="91440" tIns="45720" rIns="91440" bIns="0" rtlCol="0" anchor="b">
+            <a:normAutofit/>
+          </a:bodyPr>
+          <a:lstStyle/>
+          <a:p>
+            <a:r>
+              <a:rPr lang="en-US" sz="4800" dirty="0"/>
+              <a:t>Databinding</a:t>
+            </a:r>
+          </a:p>
+        </p:txBody>
+      </p:sp>
+      <p:cxnSp>
+        <p:nvCxnSpPr>
+          <p:cNvPr id="44" name="Straight Connector 43">
+            <a:extLst>
+              <a:ext uri="{FF2B5EF4-FFF2-40B4-BE49-F238E27FC236}">
+                <a16:creationId xmlns:a16="http://schemas.microsoft.com/office/drawing/2014/main" id="{FA6123F2-4B61-414F-A7E5-5B7828EACAE2}"/>
+              </a:ext>
+              <a:ext uri="{C183D7F6-B498-43B3-948B-1728B52AA6E4}">
+                <adec:decorative xmlns:adec="http://schemas.microsoft.com/office/drawing/2017/decorative" val="1"/>
+              </a:ext>
+            </a:extLst>
+          </p:cNvPr>
+          <p:cNvCxnSpPr>
+            <a:cxnSpLocks noGrp="1" noRot="1" noChangeAspect="1" noMove="1" noResize="1" noEditPoints="1" noAdjustHandles="1" noChangeArrowheads="1" noChangeShapeType="1"/>
+          </p:cNvCxnSpPr>
+          <p:nvPr>
+            <p:extLst>
+              <p:ext uri="{386F3935-93C4-4BCD-93E2-E3B085C9AB24}">
+                <p16:designElem xmlns:p16="http://schemas.microsoft.com/office/powerpoint/2015/main" val="1"/>
+              </p:ext>
+            </p:extLst>
+          </p:nvPr>
+        </p:nvCxnSpPr>
+        <p:spPr>
+          <a:xfrm>
+            <a:off x="1452617" y="3528543"/>
+            <a:ext cx="4171479" cy="0"/>
+          </a:xfrm>
+          <a:prstGeom prst="line">
+            <a:avLst/>
+          </a:prstGeom>
+          <a:ln w="31750"/>
+        </p:spPr>
+        <p:style>
+          <a:lnRef idx="3">
+            <a:schemeClr val="accent1"/>
+          </a:lnRef>
+          <a:fillRef idx="0">
+            <a:schemeClr val="accent1"/>
+          </a:fillRef>
+          <a:effectRef idx="2">
+            <a:schemeClr val="accent1"/>
+          </a:effectRef>
+          <a:fontRef idx="minor">
+            <a:schemeClr val="tx1"/>
+          </a:fontRef>
+        </p:style>
+      </p:cxnSp>
+      <p:pic>
+        <p:nvPicPr>
+          <p:cNvPr id="29" name="Inhaltsplatzhalter 4">
+            <a:extLst>
+              <a:ext uri="{FF2B5EF4-FFF2-40B4-BE49-F238E27FC236}">
+                <a16:creationId xmlns:a16="http://schemas.microsoft.com/office/drawing/2014/main" id="{820C1A3F-2359-5041-9ED0-C435450B65E6}"/>
+              </a:ext>
+            </a:extLst>
+          </p:cNvPr>
+          <p:cNvPicPr>
+            <a:picLocks noGrp="1" noChangeAspect="1"/>
+          </p:cNvPicPr>
+          <p:nvPr>
+            <p:ph idx="1"/>
+          </p:nvPr>
+        </p:nvPicPr>
+        <p:blipFill>
+          <a:blip r:embed="rId3"/>
+          <a:stretch>
+            <a:fillRect/>
+          </a:stretch>
+        </p:blipFill>
+        <p:spPr>
+          <a:xfrm>
+            <a:off x="6094411" y="1424612"/>
+            <a:ext cx="4960442" cy="3422704"/>
+          </a:xfrm>
+          <a:prstGeom prst="rect">
+            <a:avLst/>
+          </a:prstGeom>
+        </p:spPr>
+      </p:pic>
+      <p:pic>
+        <p:nvPicPr>
+          <p:cNvPr id="46" name="Picture 45">
+            <a:extLst>
+              <a:ext uri="{FF2B5EF4-FFF2-40B4-BE49-F238E27FC236}">
+                <a16:creationId xmlns:a16="http://schemas.microsoft.com/office/drawing/2014/main" id="{25CED634-E2D0-4AB7-96DD-816C9B52C5CF}"/>
+              </a:ext>
+              <a:ext uri="{C183D7F6-B498-43B3-948B-1728B52AA6E4}">
+                <adec:decorative xmlns:adec="http://schemas.microsoft.com/office/drawing/2017/decorative" val="1"/>
+              </a:ext>
+            </a:extLst>
+          </p:cNvPr>
+          <p:cNvPicPr>
+            <a:picLocks noGrp="1" noRot="1" noChangeAspect="1" noMove="1" noResize="1" noEditPoints="1" noAdjustHandles="1" noChangeArrowheads="1" noChangeShapeType="1" noCrop="1"/>
+          </p:cNvPicPr>
+          <p:nvPr>
+            <p:extLst>
+              <p:ext uri="{386F3935-93C4-4BCD-93E2-E3B085C9AB24}">
+                <p16:designElem xmlns:p16="http://schemas.microsoft.com/office/powerpoint/2015/main" val="1"/>
+              </p:ext>
+            </p:extLst>
+          </p:nvPr>
+        </p:nvPicPr>
+        <p:blipFill rotWithShape="1">
+          <a:blip r:embed="rId2">
+            <a:extLst>
+              <a:ext uri="{28A0092B-C50C-407E-A947-70E740481C1C}">
+                <a14:useLocalDpi xmlns:a14="http://schemas.microsoft.com/office/drawing/2010/main" val="0"/>
+              </a:ext>
+            </a:extLst>
+          </a:blip>
+          <a:srcRect t="1538" b="-1538"/>
+          <a:stretch/>
+        </p:blipFill>
+        <p:spPr bwMode="black">
+          <a:xfrm>
+            <a:off x="0" y="6126480"/>
+            <a:ext cx="12192000" cy="742950"/>
+          </a:xfrm>
+          <a:prstGeom prst="rect">
+            <a:avLst/>
+          </a:prstGeom>
+        </p:spPr>
+      </p:pic>
+      <p:cxnSp>
+        <p:nvCxnSpPr>
+          <p:cNvPr id="48" name="Straight Connector 47">
+            <a:extLst>
+              <a:ext uri="{FF2B5EF4-FFF2-40B4-BE49-F238E27FC236}">
+                <a16:creationId xmlns:a16="http://schemas.microsoft.com/office/drawing/2014/main" id="{FCDDCDFB-696D-4FDF-9B58-24F71B7C37BC}"/>
+              </a:ext>
+              <a:ext uri="{C183D7F6-B498-43B3-948B-1728B52AA6E4}">
+                <adec:decorative xmlns:adec="http://schemas.microsoft.com/office/drawing/2017/decorative" val="1"/>
+              </a:ext>
+            </a:extLst>
+          </p:cNvPr>
+          <p:cNvCxnSpPr>
+            <a:cxnSpLocks noGrp="1" noRot="1" noChangeAspect="1" noMove="1" noResize="1" noEditPoints="1" noAdjustHandles="1" noChangeArrowheads="1" noChangeShapeType="1"/>
+          </p:cNvCxnSpPr>
+          <p:nvPr>
+            <p:extLst>
+              <p:ext uri="{386F3935-93C4-4BCD-93E2-E3B085C9AB24}">
+                <p16:designElem xmlns:p16="http://schemas.microsoft.com/office/powerpoint/2015/main" val="1"/>
+              </p:ext>
+            </p:extLst>
+          </p:nvPr>
+        </p:nvCxnSpPr>
+        <p:spPr>
+          <a:xfrm>
+            <a:off x="0" y="6128413"/>
+            <a:ext cx="12192000" cy="0"/>
+          </a:xfrm>
+          <a:prstGeom prst="line">
+            <a:avLst/>
+          </a:prstGeom>
+          <a:ln w="12700">
+            <a:solidFill>
+              <a:srgbClr val="000001">
+                <a:alpha val="20000"/>
+              </a:srgbClr>
+            </a:solidFill>
+          </a:ln>
+        </p:spPr>
+        <p:style>
+          <a:lnRef idx="1">
+            <a:schemeClr val="accent1"/>
+          </a:lnRef>
+          <a:fillRef idx="0">
+            <a:schemeClr val="accent1"/>
+          </a:fillRef>
+          <a:effectRef idx="0">
+            <a:schemeClr val="accent1"/>
+          </a:effectRef>
+          <a:fontRef idx="minor">
+            <a:schemeClr val="tx1"/>
+          </a:fontRef>
+        </p:style>
+      </p:cxnSp>
+    </p:spTree>
+    <p:extLst>
+      <p:ext uri="{BB962C8B-B14F-4D97-AF65-F5344CB8AC3E}">
+        <p14:creationId xmlns:p14="http://schemas.microsoft.com/office/powerpoint/2010/main" val="952391758"/>
+      </p:ext>
+    </p:extLst>
+  </p:cSld>
+  <p:clrMapOvr>
+    <a:masterClrMapping/>
+  </p:clrMapOvr>
+</p:sld>
+</file>
+
+<file path=ppt/slides/slide11.xml><?xml version="1.0" encoding="utf-8"?>
+<p:sld xmlns:a="http://schemas.openxmlformats.org/drawingml/2006/main" xmlns:r="http://schemas.openxmlformats.org/officeDocument/2006/relationships" xmlns:p="http://schemas.openxmlformats.org/presentationml/2006/main">
+  <p:cSld>
+    <p:bg>
+      <p:bgPr>
+        <a:gradFill rotWithShape="1">
+          <a:gsLst>
+            <a:gs pos="0">
+              <a:schemeClr val="bg2">
+                <a:tint val="94000"/>
+                <a:satMod val="80000"/>
+                <a:lumMod val="106000"/>
+              </a:schemeClr>
+            </a:gs>
+            <a:gs pos="100000">
+              <a:schemeClr val="bg2">
+                <a:shade val="80000"/>
+              </a:schemeClr>
+            </a:gs>
+          </a:gsLst>
+          <a:path path="circle">
+            <a:fillToRect l="43000" r="43000" b="100000"/>
+          </a:path>
+        </a:gradFill>
+        <a:effectLst/>
+      </p:bgPr>
+    </p:bg>
+    <p:spTree>
+      <p:nvGrpSpPr>
+        <p:cNvPr id="1" name=""/>
+        <p:cNvGrpSpPr/>
+        <p:nvPr/>
+      </p:nvGrpSpPr>
+      <p:grpSpPr>
+        <a:xfrm>
+          <a:off x="0" y="0"/>
+          <a:ext cx="0" cy="0"/>
+          <a:chOff x="0" y="0"/>
+          <a:chExt cx="0" cy="0"/>
+        </a:xfrm>
+      </p:grpSpPr>
+      <p:sp>
+        <p:nvSpPr>
+          <p:cNvPr id="54" name="Rectangle 53">
+            <a:extLst>
+              <a:ext uri="{FF2B5EF4-FFF2-40B4-BE49-F238E27FC236}">
+                <a16:creationId xmlns:a16="http://schemas.microsoft.com/office/drawing/2014/main" id="{0CABCAE3-64FC-4149-819F-2C1812824154}"/>
+              </a:ext>
+              <a:ext uri="{C183D7F6-B498-43B3-948B-1728B52AA6E4}">
+                <adec:decorative xmlns:adec="http://schemas.microsoft.com/office/drawing/2017/decorative" val="1"/>
+              </a:ext>
+            </a:extLst>
+          </p:cNvPr>
+          <p:cNvSpPr>
+            <a:spLocks noGrp="1" noRot="1" noChangeAspect="1" noMove="1" noResize="1" noEditPoints="1" noAdjustHandles="1" noChangeArrowheads="1" noChangeShapeType="1" noTextEdit="1"/>
+          </p:cNvSpPr>
+          <p:nvPr>
+            <p:extLst>
+              <p:ext uri="{386F3935-93C4-4BCD-93E2-E3B085C9AB24}">
+                <p16:designElem xmlns:p16="http://schemas.microsoft.com/office/powerpoint/2015/main" val="1"/>
+              </p:ext>
+            </p:extLst>
+          </p:nvPr>
+        </p:nvSpPr>
+        <p:spPr>
+          <a:xfrm>
+            <a:off x="0" y="2019476"/>
+            <a:ext cx="12192000" cy="4105941"/>
+          </a:xfrm>
+          <a:prstGeom prst="rect">
+            <a:avLst/>
+          </a:prstGeom>
+          <a:gradFill flip="none" rotWithShape="1">
+            <a:gsLst>
+              <a:gs pos="0">
+                <a:schemeClr val="bg2">
+                  <a:alpha val="0"/>
+                </a:schemeClr>
+              </a:gs>
+              <a:gs pos="100000">
+                <a:schemeClr val="bg2"/>
+              </a:gs>
+            </a:gsLst>
+            <a:lin ang="5400000" scaled="0"/>
+            <a:tileRect/>
+          </a:gradFill>
+          <a:ln>
+            <a:noFill/>
+          </a:ln>
+        </p:spPr>
+        <p:style>
+          <a:lnRef idx="2">
+            <a:schemeClr val="accent1">
+              <a:shade val="50000"/>
+            </a:schemeClr>
+          </a:lnRef>
+          <a:fillRef idx="1">
+            <a:schemeClr val="accent1"/>
+          </a:fillRef>
+          <a:effectRef idx="0">
+            <a:schemeClr val="accent1"/>
+          </a:effectRef>
+          <a:fontRef idx="minor">
+            <a:schemeClr val="lt1"/>
+          </a:fontRef>
+        </p:style>
+      </p:sp>
+      <p:pic>
+        <p:nvPicPr>
+          <p:cNvPr id="56" name="Picture 55">
+            <a:extLst>
+              <a:ext uri="{FF2B5EF4-FFF2-40B4-BE49-F238E27FC236}">
+                <a16:creationId xmlns:a16="http://schemas.microsoft.com/office/drawing/2014/main" id="{012FDCFE-9AD2-4D8A-8CBF-B3AA37EBF6DD}"/>
+              </a:ext>
+              <a:ext uri="{C183D7F6-B498-43B3-948B-1728B52AA6E4}">
+                <adec:decorative xmlns:adec="http://schemas.microsoft.com/office/drawing/2017/decorative" val="1"/>
+              </a:ext>
+            </a:extLst>
+          </p:cNvPr>
+          <p:cNvPicPr>
+            <a:picLocks noGrp="1" noRot="1" noChangeAspect="1" noMove="1" noResize="1" noEditPoints="1" noAdjustHandles="1" noChangeArrowheads="1" noChangeShapeType="1" noCrop="1"/>
+          </p:cNvPicPr>
+          <p:nvPr>
+            <p:extLst>
+              <p:ext uri="{386F3935-93C4-4BCD-93E2-E3B085C9AB24}">
+                <p16:designElem xmlns:p16="http://schemas.microsoft.com/office/powerpoint/2015/main" val="1"/>
+              </p:ext>
+            </p:extLst>
+          </p:nvPr>
+        </p:nvPicPr>
+        <p:blipFill rotWithShape="1">
+          <a:blip r:embed="rId2">
+            <a:extLst>
+              <a:ext uri="{28A0092B-C50C-407E-A947-70E740481C1C}">
+                <a14:useLocalDpi xmlns:a14="http://schemas.microsoft.com/office/drawing/2010/main" val="0"/>
+              </a:ext>
+            </a:extLst>
+          </a:blip>
+          <a:srcRect t="1538" b="-1538"/>
+          <a:stretch/>
+        </p:blipFill>
+        <p:spPr bwMode="black">
+          <a:xfrm>
+            <a:off x="0" y="6126480"/>
+            <a:ext cx="12192000" cy="742950"/>
+          </a:xfrm>
+          <a:prstGeom prst="rect">
+            <a:avLst/>
+          </a:prstGeom>
+        </p:spPr>
+      </p:pic>
+      <p:cxnSp>
+        <p:nvCxnSpPr>
+          <p:cNvPr id="58" name="Straight Connector 57">
+            <a:extLst>
+              <a:ext uri="{FF2B5EF4-FFF2-40B4-BE49-F238E27FC236}">
+                <a16:creationId xmlns:a16="http://schemas.microsoft.com/office/drawing/2014/main" id="{FBD463FC-4CA8-4FF4-85A3-AF9F4B98D210}"/>
+              </a:ext>
+              <a:ext uri="{C183D7F6-B498-43B3-948B-1728B52AA6E4}">
+                <adec:decorative xmlns:adec="http://schemas.microsoft.com/office/drawing/2017/decorative" val="1"/>
+              </a:ext>
+            </a:extLst>
+          </p:cNvPr>
+          <p:cNvCxnSpPr>
+            <a:cxnSpLocks noGrp="1" noRot="1" noChangeAspect="1" noMove="1" noResize="1" noEditPoints="1" noAdjustHandles="1" noChangeArrowheads="1" noChangeShapeType="1"/>
+          </p:cNvCxnSpPr>
+          <p:nvPr>
+            <p:extLst>
+              <p:ext uri="{386F3935-93C4-4BCD-93E2-E3B085C9AB24}">
+                <p16:designElem xmlns:p16="http://schemas.microsoft.com/office/powerpoint/2015/main" val="1"/>
+              </p:ext>
+            </p:extLst>
+          </p:nvPr>
+        </p:nvCxnSpPr>
+        <p:spPr>
+          <a:xfrm>
+            <a:off x="0" y="6128413"/>
+            <a:ext cx="12192000" cy="0"/>
+          </a:xfrm>
+          <a:prstGeom prst="line">
+            <a:avLst/>
+          </a:prstGeom>
+          <a:ln w="12700">
+            <a:solidFill>
+              <a:srgbClr val="000001">
+                <a:alpha val="20000"/>
+              </a:srgbClr>
+            </a:solidFill>
+          </a:ln>
+        </p:spPr>
+        <p:style>
+          <a:lnRef idx="1">
+            <a:schemeClr val="accent1"/>
+          </a:lnRef>
+          <a:fillRef idx="0">
+            <a:schemeClr val="accent1"/>
+          </a:fillRef>
+          <a:effectRef idx="0">
+            <a:schemeClr val="accent1"/>
+          </a:effectRef>
+          <a:fontRef idx="minor">
+            <a:schemeClr val="tx1"/>
+          </a:fontRef>
+        </p:style>
+      </p:cxnSp>
+      <p:cxnSp>
+        <p:nvCxnSpPr>
+          <p:cNvPr id="60" name="Straight Connector 59">
+            <a:extLst>
+              <a:ext uri="{FF2B5EF4-FFF2-40B4-BE49-F238E27FC236}">
+                <a16:creationId xmlns:a16="http://schemas.microsoft.com/office/drawing/2014/main" id="{BECF35C3-8B44-4F4B-BD25-4C01823DB22A}"/>
+              </a:ext>
+              <a:ext uri="{C183D7F6-B498-43B3-948B-1728B52AA6E4}">
+                <adec:decorative xmlns:adec="http://schemas.microsoft.com/office/drawing/2017/decorative" val="1"/>
+              </a:ext>
+            </a:extLst>
+          </p:cNvPr>
+          <p:cNvCxnSpPr>
+            <a:cxnSpLocks noGrp="1" noRot="1" noChangeAspect="1" noMove="1" noResize="1" noEditPoints="1" noAdjustHandles="1" noChangeArrowheads="1" noChangeShapeType="1"/>
+          </p:cNvCxnSpPr>
+          <p:nvPr>
+            <p:extLst>
+              <p:ext uri="{386F3935-93C4-4BCD-93E2-E3B085C9AB24}">
+                <p16:designElem xmlns:p16="http://schemas.microsoft.com/office/powerpoint/2015/main" val="1"/>
+              </p:ext>
+            </p:extLst>
+          </p:nvPr>
+        </p:nvCxnSpPr>
+        <p:spPr>
+          <a:xfrm>
+            <a:off x="2417780" y="3528542"/>
+            <a:ext cx="8637072" cy="0"/>
+          </a:xfrm>
+          <a:prstGeom prst="line">
+            <a:avLst/>
+          </a:prstGeom>
+          <a:ln w="31750"/>
+        </p:spPr>
+        <p:style>
+          <a:lnRef idx="3">
+            <a:schemeClr val="accent1"/>
+          </a:lnRef>
+          <a:fillRef idx="0">
+            <a:schemeClr val="accent1"/>
+          </a:fillRef>
+          <a:effectRef idx="2">
+            <a:schemeClr val="accent1"/>
+          </a:effectRef>
+          <a:fontRef idx="minor">
+            <a:schemeClr val="tx1"/>
+          </a:fontRef>
+        </p:style>
+      </p:cxnSp>
+      <p:sp useBgFill="1">
+        <p:nvSpPr>
+          <p:cNvPr id="62" name="Rectangle 61">
+            <a:extLst>
+              <a:ext uri="{FF2B5EF4-FFF2-40B4-BE49-F238E27FC236}">
+                <a16:creationId xmlns:a16="http://schemas.microsoft.com/office/drawing/2014/main" id="{D0712110-0BC1-4B31-B3BB-63B44222E87F}"/>
+              </a:ext>
+              <a:ext uri="{C183D7F6-B498-43B3-948B-1728B52AA6E4}">
+                <adec:decorative xmlns:adec="http://schemas.microsoft.com/office/drawing/2017/decorative" val="1"/>
+              </a:ext>
+            </a:extLst>
+          </p:cNvPr>
+          <p:cNvSpPr>
+            <a:spLocks noGrp="1" noRot="1" noChangeAspect="1" noMove="1" noResize="1" noEditPoints="1" noAdjustHandles="1" noChangeArrowheads="1" noChangeShapeType="1" noTextEdit="1"/>
+          </p:cNvSpPr>
+          <p:nvPr>
+            <p:extLst>
+              <p:ext uri="{386F3935-93C4-4BCD-93E2-E3B085C9AB24}">
+                <p16:designElem xmlns:p16="http://schemas.microsoft.com/office/powerpoint/2015/main" val="1"/>
+              </p:ext>
+            </p:extLst>
+          </p:nvPr>
+        </p:nvSpPr>
+        <p:spPr>
+          <a:xfrm>
+            <a:off x="2" y="0"/>
+            <a:ext cx="12191695" cy="6858000"/>
+          </a:xfrm>
+          <a:prstGeom prst="rect">
+            <a:avLst/>
+          </a:prstGeom>
+          <a:ln>
+            <a:noFill/>
+          </a:ln>
+        </p:spPr>
+        <p:style>
+          <a:lnRef idx="2">
+            <a:schemeClr val="accent1">
+              <a:shade val="50000"/>
+            </a:schemeClr>
+          </a:lnRef>
+          <a:fillRef idx="1">
+            <a:schemeClr val="accent1"/>
+          </a:fillRef>
+          <a:effectRef idx="0">
+            <a:schemeClr val="accent1"/>
+          </a:effectRef>
+          <a:fontRef idx="minor">
+            <a:schemeClr val="lt1"/>
+          </a:fontRef>
+        </p:style>
+        <p:txBody>
+          <a:bodyPr rtlCol="0" anchor="ctr"/>
+          <a:lstStyle/>
+          <a:p>
+            <a:pPr algn="ctr"/>
+            <a:endParaRPr lang="en-US"/>
+          </a:p>
+        </p:txBody>
+      </p:sp>
+      <p:sp>
+        <p:nvSpPr>
+          <p:cNvPr id="64" name="Rectangle 63">
+            <a:extLst>
+              <a:ext uri="{FF2B5EF4-FFF2-40B4-BE49-F238E27FC236}">
+                <a16:creationId xmlns:a16="http://schemas.microsoft.com/office/drawing/2014/main" id="{4466B5F3-C053-4580-B04A-1EF949888280}"/>
+              </a:ext>
+              <a:ext uri="{C183D7F6-B498-43B3-948B-1728B52AA6E4}">
+                <adec:decorative xmlns:adec="http://schemas.microsoft.com/office/drawing/2017/decorative" val="1"/>
+              </a:ext>
+            </a:extLst>
+          </p:cNvPr>
+          <p:cNvSpPr>
+            <a:spLocks noGrp="1" noRot="1" noChangeAspect="1" noMove="1" noResize="1" noEditPoints="1" noAdjustHandles="1" noChangeArrowheads="1" noChangeShapeType="1" noTextEdit="1"/>
+          </p:cNvSpPr>
+          <p:nvPr>
+            <p:extLst>
+              <p:ext uri="{386F3935-93C4-4BCD-93E2-E3B085C9AB24}">
+                <p16:designElem xmlns:p16="http://schemas.microsoft.com/office/powerpoint/2015/main" val="1"/>
+              </p:ext>
+            </p:extLst>
+          </p:nvPr>
+        </p:nvSpPr>
+        <p:spPr>
+          <a:xfrm>
+            <a:off x="0" y="2019476"/>
+            <a:ext cx="12192000" cy="4105941"/>
+          </a:xfrm>
+          <a:prstGeom prst="rect">
+            <a:avLst/>
+          </a:prstGeom>
+          <a:gradFill flip="none" rotWithShape="1">
+            <a:gsLst>
+              <a:gs pos="0">
+                <a:schemeClr val="bg2">
+                  <a:alpha val="0"/>
+                </a:schemeClr>
+              </a:gs>
+              <a:gs pos="100000">
+                <a:schemeClr val="bg2"/>
+              </a:gs>
+            </a:gsLst>
+            <a:lin ang="5400000" scaled="0"/>
+            <a:tileRect/>
+          </a:gradFill>
+          <a:ln>
+            <a:noFill/>
+          </a:ln>
+        </p:spPr>
+        <p:style>
+          <a:lnRef idx="2">
+            <a:schemeClr val="accent1">
+              <a:shade val="50000"/>
+            </a:schemeClr>
+          </a:lnRef>
+          <a:fillRef idx="1">
+            <a:schemeClr val="accent1"/>
+          </a:fillRef>
+          <a:effectRef idx="0">
+            <a:schemeClr val="accent1"/>
+          </a:effectRef>
+          <a:fontRef idx="minor">
+            <a:schemeClr val="lt1"/>
+          </a:fontRef>
+        </p:style>
+        <p:txBody>
+          <a:bodyPr rtlCol="0" anchor="ctr"/>
+          <a:lstStyle/>
+          <a:p>
+            <a:pPr lvl="0" algn="ctr"/>
+            <a:endParaRPr lang="en-US"/>
+          </a:p>
+        </p:txBody>
+      </p:sp>
+      <p:sp>
+        <p:nvSpPr>
+          <p:cNvPr id="2" name="Titel 1">
+            <a:extLst>
+              <a:ext uri="{FF2B5EF4-FFF2-40B4-BE49-F238E27FC236}">
+                <a16:creationId xmlns:a16="http://schemas.microsoft.com/office/drawing/2014/main" id="{99F2C7D8-5D70-104F-8302-A96740D08A8A}"/>
+              </a:ext>
+            </a:extLst>
+          </p:cNvPr>
+          <p:cNvSpPr>
+            <a:spLocks noGrp="1"/>
+          </p:cNvSpPr>
+          <p:nvPr>
+            <p:ph type="title"/>
+          </p:nvPr>
+        </p:nvSpPr>
+        <p:spPr>
+          <a:xfrm>
+            <a:off x="1452616" y="962902"/>
+            <a:ext cx="4176384" cy="2380828"/>
+          </a:xfrm>
+        </p:spPr>
+        <p:txBody>
+          <a:bodyPr vert="horz" lIns="91440" tIns="45720" rIns="91440" bIns="0" rtlCol="0" anchor="b">
+            <a:normAutofit/>
+          </a:bodyPr>
+          <a:lstStyle/>
+          <a:p>
+            <a:r>
+              <a:rPr lang="en-US" sz="4800" dirty="0"/>
+              <a:t>Template Syntax</a:t>
+            </a:r>
+          </a:p>
+        </p:txBody>
+      </p:sp>
+      <p:cxnSp>
+        <p:nvCxnSpPr>
+          <p:cNvPr id="66" name="Straight Connector 65">
+            <a:extLst>
+              <a:ext uri="{FF2B5EF4-FFF2-40B4-BE49-F238E27FC236}">
+                <a16:creationId xmlns:a16="http://schemas.microsoft.com/office/drawing/2014/main" id="{FA6123F2-4B61-414F-A7E5-5B7828EACAE2}"/>
+              </a:ext>
+              <a:ext uri="{C183D7F6-B498-43B3-948B-1728B52AA6E4}">
+                <adec:decorative xmlns:adec="http://schemas.microsoft.com/office/drawing/2017/decorative" val="1"/>
+              </a:ext>
+            </a:extLst>
+          </p:cNvPr>
+          <p:cNvCxnSpPr>
+            <a:cxnSpLocks noGrp="1" noRot="1" noChangeAspect="1" noMove="1" noResize="1" noEditPoints="1" noAdjustHandles="1" noChangeArrowheads="1" noChangeShapeType="1"/>
+          </p:cNvCxnSpPr>
+          <p:nvPr>
+            <p:extLst>
+              <p:ext uri="{386F3935-93C4-4BCD-93E2-E3B085C9AB24}">
+                <p16:designElem xmlns:p16="http://schemas.microsoft.com/office/powerpoint/2015/main" val="1"/>
+              </p:ext>
+            </p:extLst>
+          </p:nvPr>
+        </p:nvCxnSpPr>
+        <p:spPr>
+          <a:xfrm>
+            <a:off x="1452617" y="3528543"/>
+            <a:ext cx="4171479" cy="0"/>
+          </a:xfrm>
+          <a:prstGeom prst="line">
+            <a:avLst/>
+          </a:prstGeom>
+          <a:ln w="31750"/>
+        </p:spPr>
+        <p:style>
+          <a:lnRef idx="3">
+            <a:schemeClr val="accent1"/>
+          </a:lnRef>
+          <a:fillRef idx="0">
+            <a:schemeClr val="accent1"/>
+          </a:fillRef>
+          <a:effectRef idx="2">
+            <a:schemeClr val="accent1"/>
+          </a:effectRef>
+          <a:fontRef idx="minor">
+            <a:schemeClr val="tx1"/>
+          </a:fontRef>
+        </p:style>
+      </p:cxnSp>
+      <p:pic>
+        <p:nvPicPr>
+          <p:cNvPr id="51" name="Grafik 3" descr="Ein Bild, das Screenshot enthält.&#10;&#10;&#10;&#10;Automatisch generierte Beschreibung">
+            <a:extLst>
+              <a:ext uri="{FF2B5EF4-FFF2-40B4-BE49-F238E27FC236}">
+                <a16:creationId xmlns:a16="http://schemas.microsoft.com/office/drawing/2014/main" id="{8A9FEFEE-66EA-604B-935B-134BCC740A53}"/>
+              </a:ext>
+            </a:extLst>
+          </p:cNvPr>
+          <p:cNvPicPr>
+            <a:picLocks noGrp="1" noChangeAspect="1"/>
+          </p:cNvPicPr>
+          <p:nvPr>
+            <p:ph idx="1"/>
+          </p:nvPr>
+        </p:nvPicPr>
+        <p:blipFill>
+          <a:blip r:embed="rId3"/>
+          <a:stretch>
+            <a:fillRect/>
+          </a:stretch>
+        </p:blipFill>
+        <p:spPr>
+          <a:xfrm>
+            <a:off x="6196692" y="805583"/>
+            <a:ext cx="4755880" cy="4660762"/>
+          </a:xfrm>
+          <a:prstGeom prst="rect">
+            <a:avLst/>
+          </a:prstGeom>
+        </p:spPr>
+      </p:pic>
+      <p:pic>
+        <p:nvPicPr>
+          <p:cNvPr id="68" name="Picture 67">
+            <a:extLst>
+              <a:ext uri="{FF2B5EF4-FFF2-40B4-BE49-F238E27FC236}">
+                <a16:creationId xmlns:a16="http://schemas.microsoft.com/office/drawing/2014/main" id="{25CED634-E2D0-4AB7-96DD-816C9B52C5CF}"/>
+              </a:ext>
+              <a:ext uri="{C183D7F6-B498-43B3-948B-1728B52AA6E4}">
+                <adec:decorative xmlns:adec="http://schemas.microsoft.com/office/drawing/2017/decorative" val="1"/>
+              </a:ext>
+            </a:extLst>
+          </p:cNvPr>
+          <p:cNvPicPr>
+            <a:picLocks noGrp="1" noRot="1" noChangeAspect="1" noMove="1" noResize="1" noEditPoints="1" noAdjustHandles="1" noChangeArrowheads="1" noChangeShapeType="1" noCrop="1"/>
+          </p:cNvPicPr>
+          <p:nvPr>
+            <p:extLst>
+              <p:ext uri="{386F3935-93C4-4BCD-93E2-E3B085C9AB24}">
+                <p16:designElem xmlns:p16="http://schemas.microsoft.com/office/powerpoint/2015/main" val="1"/>
+              </p:ext>
+            </p:extLst>
+          </p:nvPr>
+        </p:nvPicPr>
+        <p:blipFill rotWithShape="1">
+          <a:blip r:embed="rId2">
+            <a:extLst>
+              <a:ext uri="{28A0092B-C50C-407E-A947-70E740481C1C}">
+                <a14:useLocalDpi xmlns:a14="http://schemas.microsoft.com/office/drawing/2010/main" val="0"/>
+              </a:ext>
+            </a:extLst>
+          </a:blip>
+          <a:srcRect t="1538" b="-1538"/>
+          <a:stretch/>
+        </p:blipFill>
+        <p:spPr bwMode="black">
+          <a:xfrm>
+            <a:off x="0" y="6126480"/>
+            <a:ext cx="12192000" cy="742950"/>
+          </a:xfrm>
+          <a:prstGeom prst="rect">
+            <a:avLst/>
+          </a:prstGeom>
+        </p:spPr>
+      </p:pic>
+      <p:cxnSp>
+        <p:nvCxnSpPr>
+          <p:cNvPr id="70" name="Straight Connector 69">
+            <a:extLst>
+              <a:ext uri="{FF2B5EF4-FFF2-40B4-BE49-F238E27FC236}">
+                <a16:creationId xmlns:a16="http://schemas.microsoft.com/office/drawing/2014/main" id="{FCDDCDFB-696D-4FDF-9B58-24F71B7C37BC}"/>
+              </a:ext>
+              <a:ext uri="{C183D7F6-B498-43B3-948B-1728B52AA6E4}">
+                <adec:decorative xmlns:adec="http://schemas.microsoft.com/office/drawing/2017/decorative" val="1"/>
+              </a:ext>
+            </a:extLst>
+          </p:cNvPr>
+          <p:cNvCxnSpPr>
+            <a:cxnSpLocks noGrp="1" noRot="1" noChangeAspect="1" noMove="1" noResize="1" noEditPoints="1" noAdjustHandles="1" noChangeArrowheads="1" noChangeShapeType="1"/>
+          </p:cNvCxnSpPr>
+          <p:nvPr>
+            <p:extLst>
+              <p:ext uri="{386F3935-93C4-4BCD-93E2-E3B085C9AB24}">
+                <p16:designElem xmlns:p16="http://schemas.microsoft.com/office/powerpoint/2015/main" val="1"/>
+              </p:ext>
+            </p:extLst>
+          </p:nvPr>
+        </p:nvCxnSpPr>
+        <p:spPr>
+          <a:xfrm>
+            <a:off x="0" y="6128413"/>
+            <a:ext cx="12192000" cy="0"/>
+          </a:xfrm>
+          <a:prstGeom prst="line">
+            <a:avLst/>
+          </a:prstGeom>
+          <a:ln w="12700">
+            <a:solidFill>
+              <a:srgbClr val="000001">
+                <a:alpha val="20000"/>
+              </a:srgbClr>
+            </a:solidFill>
+          </a:ln>
+        </p:spPr>
+        <p:style>
+          <a:lnRef idx="1">
+            <a:schemeClr val="accent1"/>
+          </a:lnRef>
+          <a:fillRef idx="0">
+            <a:schemeClr val="accent1"/>
+          </a:fillRef>
+          <a:effectRef idx="0">
+            <a:schemeClr val="accent1"/>
+          </a:effectRef>
+          <a:fontRef idx="minor">
+            <a:schemeClr val="tx1"/>
+          </a:fontRef>
+        </p:style>
+      </p:cxnSp>
+    </p:spTree>
+    <p:extLst>
+      <p:ext uri="{BB962C8B-B14F-4D97-AF65-F5344CB8AC3E}">
+        <p14:creationId xmlns:p14="http://schemas.microsoft.com/office/powerpoint/2010/main" val="1412583843"/>
+      </p:ext>
+    </p:extLst>
+  </p:cSld>
+  <p:clrMapOvr>
+    <a:masterClrMapping/>
+  </p:clrMapOvr>
+</p:sld>
+</file>
+
+<file path=ppt/slides/slide12.xml><?xml version="1.0" encoding="utf-8"?>
+<p:sld xmlns:a="http://schemas.openxmlformats.org/drawingml/2006/main" xmlns:r="http://schemas.openxmlformats.org/officeDocument/2006/relationships" xmlns:p="http://schemas.openxmlformats.org/presentationml/2006/main">
+  <p:cSld>
+    <p:bg>
+      <p:bgPr>
+        <a:gradFill rotWithShape="1">
+          <a:gsLst>
+            <a:gs pos="0">
+              <a:schemeClr val="bg2">
+                <a:tint val="94000"/>
+                <a:satMod val="80000"/>
+                <a:lumMod val="106000"/>
+              </a:schemeClr>
+            </a:gs>
+            <a:gs pos="100000">
+              <a:schemeClr val="bg2">
+                <a:shade val="80000"/>
+              </a:schemeClr>
+            </a:gs>
+          </a:gsLst>
+          <a:path path="circle">
+            <a:fillToRect l="43000" r="43000" b="100000"/>
+          </a:path>
+        </a:gradFill>
+        <a:effectLst/>
+      </p:bgPr>
+    </p:bg>
+    <p:spTree>
+      <p:nvGrpSpPr>
+        <p:cNvPr id="1" name=""/>
+        <p:cNvGrpSpPr/>
+        <p:nvPr/>
+      </p:nvGrpSpPr>
+      <p:grpSpPr>
+        <a:xfrm>
+          <a:off x="0" y="0"/>
+          <a:ext cx="0" cy="0"/>
+          <a:chOff x="0" y="0"/>
+          <a:chExt cx="0" cy="0"/>
+        </a:xfrm>
+      </p:grpSpPr>
+      <p:sp>
+        <p:nvSpPr>
+          <p:cNvPr id="75" name="Rectangle 74">
+            <a:extLst>
+              <a:ext uri="{FF2B5EF4-FFF2-40B4-BE49-F238E27FC236}">
+                <a16:creationId xmlns:a16="http://schemas.microsoft.com/office/drawing/2014/main" id="{0CABCAE3-64FC-4149-819F-2C1812824154}"/>
+              </a:ext>
+              <a:ext uri="{C183D7F6-B498-43B3-948B-1728B52AA6E4}">
+                <adec:decorative xmlns:adec="http://schemas.microsoft.com/office/drawing/2017/decorative" val="1"/>
+              </a:ext>
+            </a:extLst>
+          </p:cNvPr>
+          <p:cNvSpPr>
+            <a:spLocks noGrp="1" noRot="1" noChangeAspect="1" noMove="1" noResize="1" noEditPoints="1" noAdjustHandles="1" noChangeArrowheads="1" noChangeShapeType="1" noTextEdit="1"/>
+          </p:cNvSpPr>
+          <p:nvPr>
+            <p:extLst>
+              <p:ext uri="{386F3935-93C4-4BCD-93E2-E3B085C9AB24}">
+                <p16:designElem xmlns:p16="http://schemas.microsoft.com/office/powerpoint/2015/main" val="1"/>
+              </p:ext>
+            </p:extLst>
+          </p:nvPr>
+        </p:nvSpPr>
+        <p:spPr>
+          <a:xfrm>
+            <a:off x="0" y="2019476"/>
+            <a:ext cx="12192000" cy="4105941"/>
+          </a:xfrm>
+          <a:prstGeom prst="rect">
+            <a:avLst/>
+          </a:prstGeom>
+          <a:gradFill flip="none" rotWithShape="1">
+            <a:gsLst>
+              <a:gs pos="0">
+                <a:schemeClr val="bg2">
+                  <a:alpha val="0"/>
+                </a:schemeClr>
+              </a:gs>
+              <a:gs pos="100000">
+                <a:schemeClr val="bg2"/>
+              </a:gs>
+            </a:gsLst>
+            <a:lin ang="5400000" scaled="0"/>
+            <a:tileRect/>
+          </a:gradFill>
+          <a:ln>
+            <a:noFill/>
+          </a:ln>
+        </p:spPr>
+        <p:style>
+          <a:lnRef idx="2">
+            <a:schemeClr val="accent1">
+              <a:shade val="50000"/>
+            </a:schemeClr>
+          </a:lnRef>
+          <a:fillRef idx="1">
+            <a:schemeClr val="accent1"/>
+          </a:fillRef>
+          <a:effectRef idx="0">
+            <a:schemeClr val="accent1"/>
+          </a:effectRef>
+          <a:fontRef idx="minor">
+            <a:schemeClr val="lt1"/>
+          </a:fontRef>
+        </p:style>
+      </p:sp>
+      <p:pic>
+        <p:nvPicPr>
+          <p:cNvPr id="77" name="Picture 76">
+            <a:extLst>
+              <a:ext uri="{FF2B5EF4-FFF2-40B4-BE49-F238E27FC236}">
+                <a16:creationId xmlns:a16="http://schemas.microsoft.com/office/drawing/2014/main" id="{012FDCFE-9AD2-4D8A-8CBF-B3AA37EBF6DD}"/>
+              </a:ext>
+              <a:ext uri="{C183D7F6-B498-43B3-948B-1728B52AA6E4}">
+                <adec:decorative xmlns:adec="http://schemas.microsoft.com/office/drawing/2017/decorative" val="1"/>
+              </a:ext>
+            </a:extLst>
+          </p:cNvPr>
+          <p:cNvPicPr>
+            <a:picLocks noGrp="1" noRot="1" noChangeAspect="1" noMove="1" noResize="1" noEditPoints="1" noAdjustHandles="1" noChangeArrowheads="1" noChangeShapeType="1" noCrop="1"/>
+          </p:cNvPicPr>
+          <p:nvPr>
+            <p:extLst>
+              <p:ext uri="{386F3935-93C4-4BCD-93E2-E3B085C9AB24}">
+                <p16:designElem xmlns:p16="http://schemas.microsoft.com/office/powerpoint/2015/main" val="1"/>
+              </p:ext>
+            </p:extLst>
+          </p:nvPr>
+        </p:nvPicPr>
+        <p:blipFill rotWithShape="1">
+          <a:blip r:embed="rId2">
+            <a:extLst>
+              <a:ext uri="{28A0092B-C50C-407E-A947-70E740481C1C}">
+                <a14:useLocalDpi xmlns:a14="http://schemas.microsoft.com/office/drawing/2010/main" val="0"/>
+              </a:ext>
+            </a:extLst>
+          </a:blip>
+          <a:srcRect t="1538" b="-1538"/>
+          <a:stretch/>
+        </p:blipFill>
+        <p:spPr bwMode="black">
+          <a:xfrm>
+            <a:off x="0" y="6126480"/>
+            <a:ext cx="12192000" cy="742950"/>
+          </a:xfrm>
+          <a:prstGeom prst="rect">
+            <a:avLst/>
+          </a:prstGeom>
+        </p:spPr>
+      </p:pic>
+      <p:cxnSp>
+        <p:nvCxnSpPr>
+          <p:cNvPr id="79" name="Straight Connector 78">
+            <a:extLst>
+              <a:ext uri="{FF2B5EF4-FFF2-40B4-BE49-F238E27FC236}">
+                <a16:creationId xmlns:a16="http://schemas.microsoft.com/office/drawing/2014/main" id="{FBD463FC-4CA8-4FF4-85A3-AF9F4B98D210}"/>
+              </a:ext>
+              <a:ext uri="{C183D7F6-B498-43B3-948B-1728B52AA6E4}">
+                <adec:decorative xmlns:adec="http://schemas.microsoft.com/office/drawing/2017/decorative" val="1"/>
+              </a:ext>
+            </a:extLst>
+          </p:cNvPr>
+          <p:cNvCxnSpPr>
+            <a:cxnSpLocks noGrp="1" noRot="1" noChangeAspect="1" noMove="1" noResize="1" noEditPoints="1" noAdjustHandles="1" noChangeArrowheads="1" noChangeShapeType="1"/>
+          </p:cNvCxnSpPr>
+          <p:nvPr>
+            <p:extLst>
+              <p:ext uri="{386F3935-93C4-4BCD-93E2-E3B085C9AB24}">
+                <p16:designElem xmlns:p16="http://schemas.microsoft.com/office/powerpoint/2015/main" val="1"/>
+              </p:ext>
+            </p:extLst>
+          </p:nvPr>
+        </p:nvCxnSpPr>
+        <p:spPr>
+          <a:xfrm>
+            <a:off x="0" y="6128413"/>
+            <a:ext cx="12192000" cy="0"/>
+          </a:xfrm>
+          <a:prstGeom prst="line">
+            <a:avLst/>
+          </a:prstGeom>
+          <a:ln w="12700">
+            <a:solidFill>
+              <a:srgbClr val="000001">
+                <a:alpha val="20000"/>
+              </a:srgbClr>
+            </a:solidFill>
+          </a:ln>
+        </p:spPr>
+        <p:style>
+          <a:lnRef idx="1">
+            <a:schemeClr val="accent1"/>
+          </a:lnRef>
+          <a:fillRef idx="0">
+            <a:schemeClr val="accent1"/>
+          </a:fillRef>
+          <a:effectRef idx="0">
+            <a:schemeClr val="accent1"/>
+          </a:effectRef>
+          <a:fontRef idx="minor">
+            <a:schemeClr val="tx1"/>
+          </a:fontRef>
+        </p:style>
+      </p:cxnSp>
+      <p:cxnSp>
+        <p:nvCxnSpPr>
+          <p:cNvPr id="81" name="Straight Connector 80">
+            <a:extLst>
+              <a:ext uri="{FF2B5EF4-FFF2-40B4-BE49-F238E27FC236}">
+                <a16:creationId xmlns:a16="http://schemas.microsoft.com/office/drawing/2014/main" id="{BECF35C3-8B44-4F4B-BD25-4C01823DB22A}"/>
+              </a:ext>
+              <a:ext uri="{C183D7F6-B498-43B3-948B-1728B52AA6E4}">
+                <adec:decorative xmlns:adec="http://schemas.microsoft.com/office/drawing/2017/decorative" val="1"/>
+              </a:ext>
+            </a:extLst>
+          </p:cNvPr>
+          <p:cNvCxnSpPr>
+            <a:cxnSpLocks noGrp="1" noRot="1" noChangeAspect="1" noMove="1" noResize="1" noEditPoints="1" noAdjustHandles="1" noChangeArrowheads="1" noChangeShapeType="1"/>
+          </p:cNvCxnSpPr>
+          <p:nvPr>
+            <p:extLst>
+              <p:ext uri="{386F3935-93C4-4BCD-93E2-E3B085C9AB24}">
+                <p16:designElem xmlns:p16="http://schemas.microsoft.com/office/powerpoint/2015/main" val="1"/>
+              </p:ext>
+            </p:extLst>
+          </p:nvPr>
+        </p:nvCxnSpPr>
+        <p:spPr>
+          <a:xfrm>
+            <a:off x="2417780" y="3528542"/>
+            <a:ext cx="8637072" cy="0"/>
+          </a:xfrm>
+          <a:prstGeom prst="line">
+            <a:avLst/>
+          </a:prstGeom>
+          <a:ln w="31750"/>
+        </p:spPr>
+        <p:style>
+          <a:lnRef idx="3">
+            <a:schemeClr val="accent1"/>
+          </a:lnRef>
+          <a:fillRef idx="0">
+            <a:schemeClr val="accent1"/>
+          </a:fillRef>
+          <a:effectRef idx="2">
+            <a:schemeClr val="accent1"/>
+          </a:effectRef>
+          <a:fontRef idx="minor">
+            <a:schemeClr val="tx1"/>
+          </a:fontRef>
+        </p:style>
+      </p:cxnSp>
+      <p:sp useBgFill="1">
+        <p:nvSpPr>
+          <p:cNvPr id="83" name="Rectangle 82">
+            <a:extLst>
+              <a:ext uri="{FF2B5EF4-FFF2-40B4-BE49-F238E27FC236}">
+                <a16:creationId xmlns:a16="http://schemas.microsoft.com/office/drawing/2014/main" id="{D0712110-0BC1-4B31-B3BB-63B44222E87F}"/>
+              </a:ext>
+              <a:ext uri="{C183D7F6-B498-43B3-948B-1728B52AA6E4}">
+                <adec:decorative xmlns:adec="http://schemas.microsoft.com/office/drawing/2017/decorative" val="1"/>
+              </a:ext>
+            </a:extLst>
+          </p:cNvPr>
+          <p:cNvSpPr>
+            <a:spLocks noGrp="1" noRot="1" noChangeAspect="1" noMove="1" noResize="1" noEditPoints="1" noAdjustHandles="1" noChangeArrowheads="1" noChangeShapeType="1" noTextEdit="1"/>
+          </p:cNvSpPr>
+          <p:nvPr>
+            <p:extLst>
+              <p:ext uri="{386F3935-93C4-4BCD-93E2-E3B085C9AB24}">
+                <p16:designElem xmlns:p16="http://schemas.microsoft.com/office/powerpoint/2015/main" val="1"/>
+              </p:ext>
+            </p:extLst>
+          </p:nvPr>
+        </p:nvSpPr>
+        <p:spPr>
+          <a:xfrm>
+            <a:off x="2" y="0"/>
+            <a:ext cx="12191695" cy="6858000"/>
+          </a:xfrm>
+          <a:prstGeom prst="rect">
+            <a:avLst/>
+          </a:prstGeom>
+          <a:ln>
+            <a:noFill/>
+          </a:ln>
+        </p:spPr>
+        <p:style>
+          <a:lnRef idx="2">
+            <a:schemeClr val="accent1">
+              <a:shade val="50000"/>
+            </a:schemeClr>
+          </a:lnRef>
+          <a:fillRef idx="1">
+            <a:schemeClr val="accent1"/>
+          </a:fillRef>
+          <a:effectRef idx="0">
+            <a:schemeClr val="accent1"/>
+          </a:effectRef>
+          <a:fontRef idx="minor">
+            <a:schemeClr val="lt1"/>
+          </a:fontRef>
+        </p:style>
+        <p:txBody>
+          <a:bodyPr rtlCol="0" anchor="ctr"/>
+          <a:lstStyle/>
+          <a:p>
+            <a:pPr algn="ctr"/>
+            <a:endParaRPr lang="en-US"/>
+          </a:p>
+        </p:txBody>
+      </p:sp>
+      <p:sp>
+        <p:nvSpPr>
+          <p:cNvPr id="85" name="Rectangle 84">
+            <a:extLst>
+              <a:ext uri="{FF2B5EF4-FFF2-40B4-BE49-F238E27FC236}">
+                <a16:creationId xmlns:a16="http://schemas.microsoft.com/office/drawing/2014/main" id="{4466B5F3-C053-4580-B04A-1EF949888280}"/>
+              </a:ext>
+              <a:ext uri="{C183D7F6-B498-43B3-948B-1728B52AA6E4}">
+                <adec:decorative xmlns:adec="http://schemas.microsoft.com/office/drawing/2017/decorative" val="1"/>
+              </a:ext>
+            </a:extLst>
+          </p:cNvPr>
+          <p:cNvSpPr>
+            <a:spLocks noGrp="1" noRot="1" noChangeAspect="1" noMove="1" noResize="1" noEditPoints="1" noAdjustHandles="1" noChangeArrowheads="1" noChangeShapeType="1" noTextEdit="1"/>
+          </p:cNvSpPr>
+          <p:nvPr>
+            <p:extLst>
+              <p:ext uri="{386F3935-93C4-4BCD-93E2-E3B085C9AB24}">
+                <p16:designElem xmlns:p16="http://schemas.microsoft.com/office/powerpoint/2015/main" val="1"/>
+              </p:ext>
+            </p:extLst>
+          </p:nvPr>
+        </p:nvSpPr>
+        <p:spPr>
+          <a:xfrm>
+            <a:off x="0" y="2019476"/>
+            <a:ext cx="12192000" cy="4105941"/>
+          </a:xfrm>
+          <a:prstGeom prst="rect">
+            <a:avLst/>
+          </a:prstGeom>
+          <a:gradFill flip="none" rotWithShape="1">
+            <a:gsLst>
+              <a:gs pos="0">
+                <a:schemeClr val="bg2">
+                  <a:alpha val="0"/>
+                </a:schemeClr>
+              </a:gs>
+              <a:gs pos="100000">
+                <a:schemeClr val="bg2"/>
+              </a:gs>
+            </a:gsLst>
+            <a:lin ang="5400000" scaled="0"/>
+            <a:tileRect/>
+          </a:gradFill>
+          <a:ln>
+            <a:noFill/>
+          </a:ln>
+        </p:spPr>
+        <p:style>
+          <a:lnRef idx="2">
+            <a:schemeClr val="accent1">
+              <a:shade val="50000"/>
+            </a:schemeClr>
+          </a:lnRef>
+          <a:fillRef idx="1">
+            <a:schemeClr val="accent1"/>
+          </a:fillRef>
+          <a:effectRef idx="0">
+            <a:schemeClr val="accent1"/>
+          </a:effectRef>
+          <a:fontRef idx="minor">
+            <a:schemeClr val="lt1"/>
+          </a:fontRef>
+        </p:style>
+        <p:txBody>
+          <a:bodyPr rtlCol="0" anchor="ctr"/>
+          <a:lstStyle/>
+          <a:p>
+            <a:pPr lvl="0" algn="ctr"/>
+            <a:endParaRPr lang="en-US"/>
+          </a:p>
+        </p:txBody>
+      </p:sp>
+      <p:sp>
+        <p:nvSpPr>
+          <p:cNvPr id="2" name="Titel 1">
+            <a:extLst>
+              <a:ext uri="{FF2B5EF4-FFF2-40B4-BE49-F238E27FC236}">
+                <a16:creationId xmlns:a16="http://schemas.microsoft.com/office/drawing/2014/main" id="{99F2C7D8-5D70-104F-8302-A96740D08A8A}"/>
+              </a:ext>
+            </a:extLst>
+          </p:cNvPr>
+          <p:cNvSpPr>
+            <a:spLocks noGrp="1"/>
+          </p:cNvSpPr>
+          <p:nvPr>
+            <p:ph type="title"/>
+          </p:nvPr>
+        </p:nvSpPr>
+        <p:spPr>
+          <a:xfrm>
+            <a:off x="1452616" y="962902"/>
+            <a:ext cx="4176384" cy="2380828"/>
+          </a:xfrm>
+        </p:spPr>
+        <p:txBody>
+          <a:bodyPr vert="horz" lIns="91440" tIns="45720" rIns="91440" bIns="0" rtlCol="0" anchor="b">
+            <a:normAutofit/>
+          </a:bodyPr>
+          <a:lstStyle/>
+          <a:p>
+            <a:r>
+              <a:rPr lang="en-US" sz="4400"/>
+              <a:t>Components</a:t>
+            </a:r>
+          </a:p>
+        </p:txBody>
+      </p:sp>
+      <p:cxnSp>
+        <p:nvCxnSpPr>
+          <p:cNvPr id="87" name="Straight Connector 86">
+            <a:extLst>
+              <a:ext uri="{FF2B5EF4-FFF2-40B4-BE49-F238E27FC236}">
+                <a16:creationId xmlns:a16="http://schemas.microsoft.com/office/drawing/2014/main" id="{FA6123F2-4B61-414F-A7E5-5B7828EACAE2}"/>
+              </a:ext>
+              <a:ext uri="{C183D7F6-B498-43B3-948B-1728B52AA6E4}">
+                <adec:decorative xmlns:adec="http://schemas.microsoft.com/office/drawing/2017/decorative" val="1"/>
+              </a:ext>
+            </a:extLst>
+          </p:cNvPr>
+          <p:cNvCxnSpPr>
+            <a:cxnSpLocks noGrp="1" noRot="1" noChangeAspect="1" noMove="1" noResize="1" noEditPoints="1" noAdjustHandles="1" noChangeArrowheads="1" noChangeShapeType="1"/>
+          </p:cNvCxnSpPr>
+          <p:nvPr>
+            <p:extLst>
+              <p:ext uri="{386F3935-93C4-4BCD-93E2-E3B085C9AB24}">
+                <p16:designElem xmlns:p16="http://schemas.microsoft.com/office/powerpoint/2015/main" val="1"/>
+              </p:ext>
+            </p:extLst>
+          </p:nvPr>
+        </p:nvCxnSpPr>
+        <p:spPr>
+          <a:xfrm>
+            <a:off x="1452617" y="3528543"/>
+            <a:ext cx="4171479" cy="0"/>
+          </a:xfrm>
+          <a:prstGeom prst="line">
+            <a:avLst/>
+          </a:prstGeom>
+          <a:ln w="31750"/>
+        </p:spPr>
+        <p:style>
+          <a:lnRef idx="3">
+            <a:schemeClr val="accent1"/>
+          </a:lnRef>
+          <a:fillRef idx="0">
+            <a:schemeClr val="accent1"/>
+          </a:fillRef>
+          <a:effectRef idx="2">
+            <a:schemeClr val="accent1"/>
+          </a:effectRef>
+          <a:fontRef idx="minor">
+            <a:schemeClr val="tx1"/>
+          </a:fontRef>
+        </p:style>
+      </p:cxnSp>
+      <p:pic>
+        <p:nvPicPr>
+          <p:cNvPr id="6" name="Inhaltsplatzhalter 5" descr="Ein Bild, das Screenshot enthält.&#10;&#10;&#10;&#10;Automatisch generierte Beschreibung">
+            <a:extLst>
+              <a:ext uri="{FF2B5EF4-FFF2-40B4-BE49-F238E27FC236}">
+                <a16:creationId xmlns:a16="http://schemas.microsoft.com/office/drawing/2014/main" id="{60EF60FA-052E-9445-9643-7DE086C4FEB4}"/>
+              </a:ext>
+            </a:extLst>
+          </p:cNvPr>
+          <p:cNvPicPr>
+            <a:picLocks noGrp="1" noChangeAspect="1"/>
+          </p:cNvPicPr>
+          <p:nvPr>
+            <p:ph idx="1"/>
+          </p:nvPr>
+        </p:nvPicPr>
+        <p:blipFill>
+          <a:blip r:embed="rId3"/>
+          <a:stretch>
+            <a:fillRect/>
+          </a:stretch>
+        </p:blipFill>
+        <p:spPr>
+          <a:xfrm>
+            <a:off x="6883373" y="225428"/>
+            <a:ext cx="4171479" cy="5675483"/>
+          </a:xfrm>
+          <a:prstGeom prst="rect">
+            <a:avLst/>
+          </a:prstGeom>
+        </p:spPr>
+      </p:pic>
+      <p:pic>
+        <p:nvPicPr>
+          <p:cNvPr id="89" name="Picture 88">
+            <a:extLst>
+              <a:ext uri="{FF2B5EF4-FFF2-40B4-BE49-F238E27FC236}">
+                <a16:creationId xmlns:a16="http://schemas.microsoft.com/office/drawing/2014/main" id="{25CED634-E2D0-4AB7-96DD-816C9B52C5CF}"/>
+              </a:ext>
+              <a:ext uri="{C183D7F6-B498-43B3-948B-1728B52AA6E4}">
+                <adec:decorative xmlns:adec="http://schemas.microsoft.com/office/drawing/2017/decorative" val="1"/>
+              </a:ext>
+            </a:extLst>
+          </p:cNvPr>
+          <p:cNvPicPr>
+            <a:picLocks noGrp="1" noRot="1" noChangeAspect="1" noMove="1" noResize="1" noEditPoints="1" noAdjustHandles="1" noChangeArrowheads="1" noChangeShapeType="1" noCrop="1"/>
+          </p:cNvPicPr>
+          <p:nvPr>
+            <p:extLst>
+              <p:ext uri="{386F3935-93C4-4BCD-93E2-E3B085C9AB24}">
+                <p16:designElem xmlns:p16="http://schemas.microsoft.com/office/powerpoint/2015/main" val="1"/>
+              </p:ext>
+            </p:extLst>
+          </p:nvPr>
+        </p:nvPicPr>
+        <p:blipFill rotWithShape="1">
+          <a:blip r:embed="rId2">
+            <a:extLst>
+              <a:ext uri="{28A0092B-C50C-407E-A947-70E740481C1C}">
+                <a14:useLocalDpi xmlns:a14="http://schemas.microsoft.com/office/drawing/2010/main" val="0"/>
+              </a:ext>
+            </a:extLst>
+          </a:blip>
+          <a:srcRect t="1538" b="-1538"/>
+          <a:stretch/>
+        </p:blipFill>
+        <p:spPr bwMode="black">
+          <a:xfrm>
+            <a:off x="0" y="6126480"/>
+            <a:ext cx="12192000" cy="742950"/>
+          </a:xfrm>
+          <a:prstGeom prst="rect">
+            <a:avLst/>
+          </a:prstGeom>
+        </p:spPr>
+      </p:pic>
+      <p:cxnSp>
+        <p:nvCxnSpPr>
+          <p:cNvPr id="91" name="Straight Connector 90">
+            <a:extLst>
+              <a:ext uri="{FF2B5EF4-FFF2-40B4-BE49-F238E27FC236}">
+                <a16:creationId xmlns:a16="http://schemas.microsoft.com/office/drawing/2014/main" id="{FCDDCDFB-696D-4FDF-9B58-24F71B7C37BC}"/>
+              </a:ext>
+              <a:ext uri="{C183D7F6-B498-43B3-948B-1728B52AA6E4}">
+                <adec:decorative xmlns:adec="http://schemas.microsoft.com/office/drawing/2017/decorative" val="1"/>
+              </a:ext>
+            </a:extLst>
+          </p:cNvPr>
+          <p:cNvCxnSpPr>
+            <a:cxnSpLocks noGrp="1" noRot="1" noChangeAspect="1" noMove="1" noResize="1" noEditPoints="1" noAdjustHandles="1" noChangeArrowheads="1" noChangeShapeType="1"/>
+          </p:cNvCxnSpPr>
+          <p:nvPr>
+            <p:extLst>
+              <p:ext uri="{386F3935-93C4-4BCD-93E2-E3B085C9AB24}">
+                <p16:designElem xmlns:p16="http://schemas.microsoft.com/office/powerpoint/2015/main" val="1"/>
+              </p:ext>
+            </p:extLst>
+          </p:nvPr>
+        </p:nvCxnSpPr>
+        <p:spPr>
+          <a:xfrm>
+            <a:off x="0" y="6128413"/>
+            <a:ext cx="12192000" cy="0"/>
+          </a:xfrm>
+          <a:prstGeom prst="line">
+            <a:avLst/>
+          </a:prstGeom>
+          <a:ln w="12700">
+            <a:solidFill>
+              <a:srgbClr val="000001">
+                <a:alpha val="20000"/>
+              </a:srgbClr>
+            </a:solidFill>
+          </a:ln>
+        </p:spPr>
+        <p:style>
+          <a:lnRef idx="1">
+            <a:schemeClr val="accent1"/>
+          </a:lnRef>
+          <a:fillRef idx="0">
+            <a:schemeClr val="accent1"/>
+          </a:fillRef>
+          <a:effectRef idx="0">
+            <a:schemeClr val="accent1"/>
+          </a:effectRef>
+          <a:fontRef idx="minor">
+            <a:schemeClr val="tx1"/>
+          </a:fontRef>
+        </p:style>
+      </p:cxnSp>
+    </p:spTree>
+    <p:extLst>
+      <p:ext uri="{BB962C8B-B14F-4D97-AF65-F5344CB8AC3E}">
+        <p14:creationId xmlns:p14="http://schemas.microsoft.com/office/powerpoint/2010/main" val="2121046657"/>
+      </p:ext>
+    </p:extLst>
+  </p:cSld>
+  <p:clrMapOvr>
+    <a:masterClrMapping/>
+  </p:clrMapOvr>
+</p:sld>
+</file>
+
+<file path=ppt/slides/slide13.xml><?xml version="1.0" encoding="utf-8"?>
+<p:sld xmlns:a="http://schemas.openxmlformats.org/drawingml/2006/main" xmlns:r="http://schemas.openxmlformats.org/officeDocument/2006/relationships" xmlns:p="http://schemas.openxmlformats.org/presentationml/2006/main">
+  <p:cSld>
+    <p:bg>
+      <p:bgPr>
+        <a:gradFill rotWithShape="1">
+          <a:gsLst>
+            <a:gs pos="0">
+              <a:schemeClr val="bg2">
+                <a:tint val="94000"/>
+                <a:satMod val="80000"/>
+                <a:lumMod val="106000"/>
+              </a:schemeClr>
+            </a:gs>
+            <a:gs pos="100000">
+              <a:schemeClr val="bg2">
+                <a:shade val="80000"/>
+              </a:schemeClr>
+            </a:gs>
+          </a:gsLst>
+          <a:path path="circle">
+            <a:fillToRect l="43000" r="43000" b="100000"/>
+          </a:path>
+        </a:gradFill>
+        <a:effectLst/>
+      </p:bgPr>
+    </p:bg>
+    <p:spTree>
+      <p:nvGrpSpPr>
+        <p:cNvPr id="1" name=""/>
+        <p:cNvGrpSpPr/>
+        <p:nvPr/>
+      </p:nvGrpSpPr>
+      <p:grpSpPr>
+        <a:xfrm>
+          <a:off x="0" y="0"/>
+          <a:ext cx="0" cy="0"/>
+          <a:chOff x="0" y="0"/>
+          <a:chExt cx="0" cy="0"/>
+        </a:xfrm>
+      </p:grpSpPr>
+      <p:sp>
+        <p:nvSpPr>
+          <p:cNvPr id="118" name="Rectangle 117">
+            <a:extLst>
+              <a:ext uri="{FF2B5EF4-FFF2-40B4-BE49-F238E27FC236}">
+                <a16:creationId xmlns:a16="http://schemas.microsoft.com/office/drawing/2014/main" id="{EEA869E1-F851-4A52-92F5-77E592B76A5B}"/>
+              </a:ext>
+              <a:ext uri="{C183D7F6-B498-43B3-948B-1728B52AA6E4}">
+                <adec:decorative xmlns:adec="http://schemas.microsoft.com/office/drawing/2017/decorative" val="1"/>
+              </a:ext>
+            </a:extLst>
+          </p:cNvPr>
+          <p:cNvSpPr>
+            <a:spLocks noGrp="1" noRot="1" noChangeAspect="1" noMove="1" noResize="1" noEditPoints="1" noAdjustHandles="1" noChangeArrowheads="1" noChangeShapeType="1" noTextEdit="1"/>
+          </p:cNvSpPr>
+          <p:nvPr>
+            <p:extLst>
+              <p:ext uri="{386F3935-93C4-4BCD-93E2-E3B085C9AB24}">
+                <p16:designElem xmlns:p16="http://schemas.microsoft.com/office/powerpoint/2015/main" val="1"/>
+              </p:ext>
+            </p:extLst>
+          </p:nvPr>
+        </p:nvSpPr>
+        <p:spPr>
+          <a:xfrm>
+            <a:off x="0" y="2019476"/>
+            <a:ext cx="12192000" cy="4105941"/>
+          </a:xfrm>
+          <a:prstGeom prst="rect">
+            <a:avLst/>
+          </a:prstGeom>
+          <a:gradFill flip="none" rotWithShape="1">
+            <a:gsLst>
+              <a:gs pos="0">
+                <a:schemeClr val="bg2">
+                  <a:alpha val="0"/>
+                </a:schemeClr>
+              </a:gs>
+              <a:gs pos="100000">
+                <a:schemeClr val="bg2"/>
+              </a:gs>
+            </a:gsLst>
+            <a:lin ang="5400000" scaled="0"/>
+            <a:tileRect/>
+          </a:gradFill>
+          <a:ln>
+            <a:noFill/>
+          </a:ln>
+        </p:spPr>
+        <p:style>
+          <a:lnRef idx="2">
+            <a:schemeClr val="accent1">
+              <a:shade val="50000"/>
+            </a:schemeClr>
+          </a:lnRef>
+          <a:fillRef idx="1">
+            <a:schemeClr val="accent1"/>
+          </a:fillRef>
+          <a:effectRef idx="0">
+            <a:schemeClr val="accent1"/>
+          </a:effectRef>
+          <a:fontRef idx="minor">
+            <a:schemeClr val="lt1"/>
+          </a:fontRef>
+        </p:style>
+      </p:sp>
+      <p:pic>
+        <p:nvPicPr>
+          <p:cNvPr id="120" name="Picture 119">
+            <a:extLst>
+              <a:ext uri="{FF2B5EF4-FFF2-40B4-BE49-F238E27FC236}">
+                <a16:creationId xmlns:a16="http://schemas.microsoft.com/office/drawing/2014/main" id="{B083AD55-8296-44BD-8E14-DD2DDBC351B0}"/>
+              </a:ext>
+              <a:ext uri="{C183D7F6-B498-43B3-948B-1728B52AA6E4}">
+                <adec:decorative xmlns:adec="http://schemas.microsoft.com/office/drawing/2017/decorative" val="1"/>
+              </a:ext>
+            </a:extLst>
+          </p:cNvPr>
+          <p:cNvPicPr>
+            <a:picLocks noGrp="1" noRot="1" noChangeAspect="1" noMove="1" noResize="1" noEditPoints="1" noAdjustHandles="1" noChangeArrowheads="1" noChangeShapeType="1" noCrop="1"/>
+          </p:cNvPicPr>
+          <p:nvPr>
+            <p:extLst>
+              <p:ext uri="{386F3935-93C4-4BCD-93E2-E3B085C9AB24}">
+                <p16:designElem xmlns:p16="http://schemas.microsoft.com/office/powerpoint/2015/main" val="1"/>
+              </p:ext>
+            </p:extLst>
+          </p:nvPr>
+        </p:nvPicPr>
+        <p:blipFill rotWithShape="1">
+          <a:blip r:embed="rId2">
+            <a:extLst>
+              <a:ext uri="{28A0092B-C50C-407E-A947-70E740481C1C}">
+                <a14:useLocalDpi xmlns:a14="http://schemas.microsoft.com/office/drawing/2010/main" val="0"/>
+              </a:ext>
+            </a:extLst>
+          </a:blip>
+          <a:srcRect t="1538" b="-1538"/>
+          <a:stretch/>
+        </p:blipFill>
+        <p:spPr bwMode="black">
+          <a:xfrm>
+            <a:off x="0" y="6126480"/>
+            <a:ext cx="12192000" cy="742950"/>
+          </a:xfrm>
+          <a:prstGeom prst="rect">
+            <a:avLst/>
+          </a:prstGeom>
+        </p:spPr>
+      </p:pic>
+      <p:cxnSp>
+        <p:nvCxnSpPr>
+          <p:cNvPr id="122" name="Straight Connector 121">
+            <a:extLst>
+              <a:ext uri="{FF2B5EF4-FFF2-40B4-BE49-F238E27FC236}">
+                <a16:creationId xmlns:a16="http://schemas.microsoft.com/office/drawing/2014/main" id="{2BF46B26-15FC-4C5A-94FA-AE9ED64B5C20}"/>
+              </a:ext>
+              <a:ext uri="{C183D7F6-B498-43B3-948B-1728B52AA6E4}">
+                <adec:decorative xmlns:adec="http://schemas.microsoft.com/office/drawing/2017/decorative" val="1"/>
+              </a:ext>
+            </a:extLst>
+          </p:cNvPr>
+          <p:cNvCxnSpPr>
+            <a:cxnSpLocks noGrp="1" noRot="1" noChangeAspect="1" noMove="1" noResize="1" noEditPoints="1" noAdjustHandles="1" noChangeArrowheads="1" noChangeShapeType="1"/>
+          </p:cNvCxnSpPr>
+          <p:nvPr>
+            <p:extLst>
+              <p:ext uri="{386F3935-93C4-4BCD-93E2-E3B085C9AB24}">
+                <p16:designElem xmlns:p16="http://schemas.microsoft.com/office/powerpoint/2015/main" val="1"/>
+              </p:ext>
+            </p:extLst>
+          </p:nvPr>
+        </p:nvCxnSpPr>
+        <p:spPr>
+          <a:xfrm>
+            <a:off x="0" y="6128413"/>
+            <a:ext cx="12192000" cy="0"/>
+          </a:xfrm>
+          <a:prstGeom prst="line">
+            <a:avLst/>
+          </a:prstGeom>
+          <a:ln w="12700">
+            <a:solidFill>
+              <a:srgbClr val="000001">
+                <a:alpha val="20000"/>
+              </a:srgbClr>
+            </a:solidFill>
+          </a:ln>
+        </p:spPr>
+        <p:style>
+          <a:lnRef idx="1">
+            <a:schemeClr val="accent1"/>
+          </a:lnRef>
+          <a:fillRef idx="0">
+            <a:schemeClr val="accent1"/>
+          </a:fillRef>
+          <a:effectRef idx="0">
+            <a:schemeClr val="accent1"/>
+          </a:effectRef>
+          <a:fontRef idx="minor">
+            <a:schemeClr val="tx1"/>
+          </a:fontRef>
+        </p:style>
+      </p:cxnSp>
+      <p:cxnSp>
+        <p:nvCxnSpPr>
+          <p:cNvPr id="124" name="Straight Connector 123">
+            <a:extLst>
+              <a:ext uri="{FF2B5EF4-FFF2-40B4-BE49-F238E27FC236}">
+                <a16:creationId xmlns:a16="http://schemas.microsoft.com/office/drawing/2014/main" id="{912F6065-5345-44BD-B66E-5487CCD7A9B9}"/>
+              </a:ext>
+              <a:ext uri="{C183D7F6-B498-43B3-948B-1728B52AA6E4}">
+                <adec:decorative xmlns:adec="http://schemas.microsoft.com/office/drawing/2017/decorative" val="1"/>
+              </a:ext>
+            </a:extLst>
+          </p:cNvPr>
+          <p:cNvCxnSpPr>
+            <a:cxnSpLocks noGrp="1" noRot="1" noChangeAspect="1" noMove="1" noResize="1" noEditPoints="1" noAdjustHandles="1" noChangeArrowheads="1" noChangeShapeType="1"/>
+          </p:cNvCxnSpPr>
+          <p:nvPr>
+            <p:extLst>
+              <p:ext uri="{386F3935-93C4-4BCD-93E2-E3B085C9AB24}">
+                <p16:designElem xmlns:p16="http://schemas.microsoft.com/office/powerpoint/2015/main" val="1"/>
+              </p:ext>
+            </p:extLst>
+          </p:nvPr>
+        </p:nvCxnSpPr>
+        <p:spPr>
+          <a:xfrm>
+            <a:off x="2417780" y="3528542"/>
+            <a:ext cx="8637072" cy="0"/>
+          </a:xfrm>
+          <a:prstGeom prst="line">
+            <a:avLst/>
+          </a:prstGeom>
+          <a:ln w="31750"/>
+        </p:spPr>
+        <p:style>
+          <a:lnRef idx="3">
+            <a:schemeClr val="accent1"/>
+          </a:lnRef>
+          <a:fillRef idx="0">
+            <a:schemeClr val="accent1"/>
+          </a:fillRef>
+          <a:effectRef idx="2">
+            <a:schemeClr val="accent1"/>
+          </a:effectRef>
+          <a:fontRef idx="minor">
+            <a:schemeClr val="tx1"/>
+          </a:fontRef>
+        </p:style>
+      </p:cxnSp>
+      <p:sp useBgFill="1">
+        <p:nvSpPr>
+          <p:cNvPr id="126" name="Rectangle 125">
+            <a:extLst>
+              <a:ext uri="{FF2B5EF4-FFF2-40B4-BE49-F238E27FC236}">
+                <a16:creationId xmlns:a16="http://schemas.microsoft.com/office/drawing/2014/main" id="{E7ABCFA2-55B0-438C-A39A-637FFC6246E8}"/>
+              </a:ext>
+              <a:ext uri="{C183D7F6-B498-43B3-948B-1728B52AA6E4}">
+                <adec:decorative xmlns:adec="http://schemas.microsoft.com/office/drawing/2017/decorative" val="1"/>
+              </a:ext>
+            </a:extLst>
+          </p:cNvPr>
+          <p:cNvSpPr>
+            <a:spLocks noGrp="1" noRot="1" noChangeAspect="1" noMove="1" noResize="1" noEditPoints="1" noAdjustHandles="1" noChangeArrowheads="1" noChangeShapeType="1" noTextEdit="1"/>
+          </p:cNvSpPr>
+          <p:nvPr>
+            <p:extLst>
+              <p:ext uri="{386F3935-93C4-4BCD-93E2-E3B085C9AB24}">
+                <p16:designElem xmlns:p16="http://schemas.microsoft.com/office/powerpoint/2015/main" val="1"/>
+              </p:ext>
+            </p:extLst>
+          </p:nvPr>
+        </p:nvSpPr>
+        <p:spPr>
+          <a:xfrm>
+            <a:off x="2" y="0"/>
+            <a:ext cx="12191695" cy="6858000"/>
+          </a:xfrm>
+          <a:prstGeom prst="rect">
+            <a:avLst/>
+          </a:prstGeom>
+          <a:ln>
+            <a:noFill/>
+          </a:ln>
+        </p:spPr>
+        <p:style>
+          <a:lnRef idx="2">
+            <a:schemeClr val="accent1">
+              <a:shade val="50000"/>
+            </a:schemeClr>
+          </a:lnRef>
+          <a:fillRef idx="1">
+            <a:schemeClr val="accent1"/>
+          </a:fillRef>
+          <a:effectRef idx="0">
+            <a:schemeClr val="accent1"/>
+          </a:effectRef>
+          <a:fontRef idx="minor">
+            <a:schemeClr val="lt1"/>
+          </a:fontRef>
+        </p:style>
+        <p:txBody>
+          <a:bodyPr rtlCol="0" anchor="ctr"/>
+          <a:lstStyle/>
+          <a:p>
+            <a:pPr algn="ctr"/>
+            <a:endParaRPr lang="en-US"/>
+          </a:p>
+        </p:txBody>
+      </p:sp>
+      <p:sp>
+        <p:nvSpPr>
+          <p:cNvPr id="128" name="Rectangle 127">
+            <a:extLst>
+              <a:ext uri="{FF2B5EF4-FFF2-40B4-BE49-F238E27FC236}">
+                <a16:creationId xmlns:a16="http://schemas.microsoft.com/office/drawing/2014/main" id="{1BD2C934-710E-4E0E-9ED4-03F07E019205}"/>
+              </a:ext>
+              <a:ext uri="{C183D7F6-B498-43B3-948B-1728B52AA6E4}">
+                <adec:decorative xmlns:adec="http://schemas.microsoft.com/office/drawing/2017/decorative" val="1"/>
+              </a:ext>
+            </a:extLst>
+          </p:cNvPr>
+          <p:cNvSpPr>
+            <a:spLocks noGrp="1" noRot="1" noChangeAspect="1" noMove="1" noResize="1" noEditPoints="1" noAdjustHandles="1" noChangeArrowheads="1" noChangeShapeType="1" noTextEdit="1"/>
+          </p:cNvSpPr>
+          <p:nvPr>
+            <p:extLst>
+              <p:ext uri="{386F3935-93C4-4BCD-93E2-E3B085C9AB24}">
+                <p16:designElem xmlns:p16="http://schemas.microsoft.com/office/powerpoint/2015/main" val="1"/>
+              </p:ext>
+            </p:extLst>
+          </p:nvPr>
+        </p:nvSpPr>
+        <p:spPr>
+          <a:xfrm>
+            <a:off x="0" y="2019476"/>
+            <a:ext cx="12192000" cy="4105941"/>
+          </a:xfrm>
+          <a:prstGeom prst="rect">
+            <a:avLst/>
+          </a:prstGeom>
+          <a:gradFill flip="none" rotWithShape="1">
+            <a:gsLst>
+              <a:gs pos="0">
+                <a:schemeClr val="bg2">
+                  <a:alpha val="0"/>
+                </a:schemeClr>
+              </a:gs>
+              <a:gs pos="100000">
+                <a:schemeClr val="bg2"/>
+              </a:gs>
+            </a:gsLst>
+            <a:lin ang="5400000" scaled="0"/>
+            <a:tileRect/>
+          </a:gradFill>
+          <a:ln>
+            <a:noFill/>
+          </a:ln>
+        </p:spPr>
+        <p:style>
+          <a:lnRef idx="2">
+            <a:schemeClr val="accent1">
+              <a:shade val="50000"/>
+            </a:schemeClr>
+          </a:lnRef>
+          <a:fillRef idx="1">
+            <a:schemeClr val="accent1"/>
+          </a:fillRef>
+          <a:effectRef idx="0">
+            <a:schemeClr val="accent1"/>
+          </a:effectRef>
+          <a:fontRef idx="minor">
+            <a:schemeClr val="lt1"/>
+          </a:fontRef>
+        </p:style>
+        <p:txBody>
+          <a:bodyPr rtlCol="0" anchor="ctr"/>
+          <a:lstStyle/>
+          <a:p>
+            <a:pPr lvl="0" algn="ctr"/>
+            <a:endParaRPr lang="en-US"/>
+          </a:p>
+        </p:txBody>
+      </p:sp>
+      <p:cxnSp>
+        <p:nvCxnSpPr>
+          <p:cNvPr id="130" name="Straight Connector 129">
+            <a:extLst>
+              <a:ext uri="{FF2B5EF4-FFF2-40B4-BE49-F238E27FC236}">
+                <a16:creationId xmlns:a16="http://schemas.microsoft.com/office/drawing/2014/main" id="{0AD0F4F3-8F5C-421F-9FC1-DB3ED0BF61DF}"/>
+              </a:ext>
+              <a:ext uri="{C183D7F6-B498-43B3-948B-1728B52AA6E4}">
+                <adec:decorative xmlns:adec="http://schemas.microsoft.com/office/drawing/2017/decorative" val="1"/>
+              </a:ext>
+            </a:extLst>
+          </p:cNvPr>
+          <p:cNvCxnSpPr>
+            <a:cxnSpLocks noGrp="1" noRot="1" noChangeAspect="1" noMove="1" noResize="1" noEditPoints="1" noAdjustHandles="1" noChangeArrowheads="1" noChangeShapeType="1"/>
+          </p:cNvCxnSpPr>
+          <p:nvPr>
+            <p:extLst>
+              <p:ext uri="{386F3935-93C4-4BCD-93E2-E3B085C9AB24}">
+                <p16:designElem xmlns:p16="http://schemas.microsoft.com/office/powerpoint/2015/main" val="1"/>
+              </p:ext>
+            </p:extLst>
+          </p:nvPr>
+        </p:nvCxnSpPr>
+        <p:spPr>
+          <a:xfrm>
+            <a:off x="484009" y="3526496"/>
+            <a:ext cx="3023617" cy="0"/>
+          </a:xfrm>
+          <a:prstGeom prst="line">
+            <a:avLst/>
+          </a:prstGeom>
+          <a:ln w="31750"/>
+        </p:spPr>
+        <p:style>
+          <a:lnRef idx="3">
+            <a:schemeClr val="accent1"/>
+          </a:lnRef>
+          <a:fillRef idx="0">
+            <a:schemeClr val="accent1"/>
+          </a:fillRef>
+          <a:effectRef idx="2">
+            <a:schemeClr val="accent1"/>
+          </a:effectRef>
+          <a:fontRef idx="minor">
+            <a:schemeClr val="tx1"/>
+          </a:fontRef>
+        </p:style>
+      </p:cxnSp>
+      <p:pic>
+        <p:nvPicPr>
+          <p:cNvPr id="132" name="Picture 131">
+            <a:extLst>
+              <a:ext uri="{FF2B5EF4-FFF2-40B4-BE49-F238E27FC236}">
+                <a16:creationId xmlns:a16="http://schemas.microsoft.com/office/drawing/2014/main" id="{B0A40572-62E5-460B-AD24-B6628527ACB1}"/>
+              </a:ext>
+              <a:ext uri="{C183D7F6-B498-43B3-948B-1728B52AA6E4}">
+                <adec:decorative xmlns:adec="http://schemas.microsoft.com/office/drawing/2017/decorative" val="1"/>
+              </a:ext>
+            </a:extLst>
+          </p:cNvPr>
+          <p:cNvPicPr>
+            <a:picLocks noGrp="1" noRot="1" noChangeAspect="1" noMove="1" noResize="1" noEditPoints="1" noAdjustHandles="1" noChangeArrowheads="1" noChangeShapeType="1" noCrop="1"/>
+          </p:cNvPicPr>
+          <p:nvPr>
+            <p:extLst>
+              <p:ext uri="{386F3935-93C4-4BCD-93E2-E3B085C9AB24}">
+                <p16:designElem xmlns:p16="http://schemas.microsoft.com/office/powerpoint/2015/main" val="1"/>
+              </p:ext>
+            </p:extLst>
+          </p:nvPr>
+        </p:nvPicPr>
+        <p:blipFill rotWithShape="1">
+          <a:blip r:embed="rId2">
+            <a:extLst>
+              <a:ext uri="{28A0092B-C50C-407E-A947-70E740481C1C}">
+                <a14:useLocalDpi xmlns:a14="http://schemas.microsoft.com/office/drawing/2010/main" val="0"/>
+              </a:ext>
+            </a:extLst>
+          </a:blip>
+          <a:srcRect t="1538" b="-1538"/>
+          <a:stretch/>
+        </p:blipFill>
+        <p:spPr bwMode="black">
+          <a:xfrm>
+            <a:off x="0" y="6126480"/>
+            <a:ext cx="12192000" cy="742950"/>
+          </a:xfrm>
+          <a:prstGeom prst="rect">
+            <a:avLst/>
+          </a:prstGeom>
+        </p:spPr>
+      </p:pic>
+      <p:cxnSp>
+        <p:nvCxnSpPr>
+          <p:cNvPr id="134" name="Straight Connector 133">
+            <a:extLst>
+              <a:ext uri="{FF2B5EF4-FFF2-40B4-BE49-F238E27FC236}">
+                <a16:creationId xmlns:a16="http://schemas.microsoft.com/office/drawing/2014/main" id="{F1D872D4-D7E5-4CD8-9DAC-2BC612F08E69}"/>
+              </a:ext>
+              <a:ext uri="{C183D7F6-B498-43B3-948B-1728B52AA6E4}">
+                <adec:decorative xmlns:adec="http://schemas.microsoft.com/office/drawing/2017/decorative" val="1"/>
+              </a:ext>
+            </a:extLst>
+          </p:cNvPr>
+          <p:cNvCxnSpPr>
+            <a:cxnSpLocks noGrp="1" noRot="1" noChangeAspect="1" noMove="1" noResize="1" noEditPoints="1" noAdjustHandles="1" noChangeArrowheads="1" noChangeShapeType="1"/>
+          </p:cNvCxnSpPr>
+          <p:nvPr>
+            <p:extLst>
+              <p:ext uri="{386F3935-93C4-4BCD-93E2-E3B085C9AB24}">
+                <p16:designElem xmlns:p16="http://schemas.microsoft.com/office/powerpoint/2015/main" val="1"/>
+              </p:ext>
+            </p:extLst>
+          </p:nvPr>
+        </p:nvCxnSpPr>
+        <p:spPr>
+          <a:xfrm>
+            <a:off x="0" y="6128413"/>
+            <a:ext cx="12192000" cy="0"/>
+          </a:xfrm>
+          <a:prstGeom prst="line">
+            <a:avLst/>
+          </a:prstGeom>
+          <a:ln w="12700">
+            <a:solidFill>
+              <a:srgbClr val="000001">
+                <a:alpha val="20000"/>
+              </a:srgbClr>
+            </a:solidFill>
+          </a:ln>
+        </p:spPr>
+        <p:style>
+          <a:lnRef idx="1">
+            <a:schemeClr val="accent1"/>
+          </a:lnRef>
+          <a:fillRef idx="0">
+            <a:schemeClr val="accent1"/>
+          </a:fillRef>
+          <a:effectRef idx="0">
+            <a:schemeClr val="accent1"/>
+          </a:effectRef>
+          <a:fontRef idx="minor">
+            <a:schemeClr val="tx1"/>
+          </a:fontRef>
+        </p:style>
+      </p:cxnSp>
+      <p:sp>
+        <p:nvSpPr>
+          <p:cNvPr id="31" name="Titel 30">
+            <a:extLst>
+              <a:ext uri="{FF2B5EF4-FFF2-40B4-BE49-F238E27FC236}">
+                <a16:creationId xmlns:a16="http://schemas.microsoft.com/office/drawing/2014/main" id="{BD482EAE-0307-5A47-9748-1E3D71136AEC}"/>
+              </a:ext>
+            </a:extLst>
+          </p:cNvPr>
+          <p:cNvSpPr>
+            <a:spLocks noGrp="1"/>
+          </p:cNvSpPr>
+          <p:nvPr>
+            <p:ph type="title"/>
+          </p:nvPr>
+        </p:nvSpPr>
+        <p:spPr/>
+        <p:txBody>
+          <a:bodyPr/>
+          <a:lstStyle/>
+          <a:p>
+            <a:endParaRPr lang="de-DE"/>
+          </a:p>
+        </p:txBody>
+      </p:sp>
+      <p:pic>
+        <p:nvPicPr>
+          <p:cNvPr id="35" name="Grafik 34" descr="Ein Bild, das Screenshot enthält.&#10;&#10;&#10;&#10;Automatisch generierte Beschreibung">
+            <a:extLst>
+              <a:ext uri="{FF2B5EF4-FFF2-40B4-BE49-F238E27FC236}">
+                <a16:creationId xmlns:a16="http://schemas.microsoft.com/office/drawing/2014/main" id="{61B155E4-1560-8645-B421-87143BE82D2D}"/>
+              </a:ext>
+            </a:extLst>
+          </p:cNvPr>
+          <p:cNvPicPr>
+            <a:picLocks noChangeAspect="1"/>
+          </p:cNvPicPr>
+          <p:nvPr/>
+        </p:nvPicPr>
+        <p:blipFill>
+          <a:blip r:embed="rId3"/>
+          <a:stretch>
+            <a:fillRect/>
+          </a:stretch>
+        </p:blipFill>
+        <p:spPr>
+          <a:xfrm>
+            <a:off x="407179" y="293614"/>
+            <a:ext cx="11377339" cy="5759867"/>
+          </a:xfrm>
+          <a:prstGeom prst="rect">
+            <a:avLst/>
+          </a:prstGeom>
+        </p:spPr>
+      </p:pic>
+    </p:spTree>
+    <p:extLst>
+      <p:ext uri="{BB962C8B-B14F-4D97-AF65-F5344CB8AC3E}">
+        <p14:creationId xmlns:p14="http://schemas.microsoft.com/office/powerpoint/2010/main" val="2983550899"/>
+      </p:ext>
+    </p:extLst>
+  </p:cSld>
+  <p:clrMapOvr>
+    <a:masterClrMapping/>
+  </p:clrMapOvr>
+</p:sld>
+</file>
+
+<file path=ppt/slides/slide14.xml><?xml version="1.0" encoding="utf-8"?>
+<p:sld xmlns:a="http://schemas.openxmlformats.org/drawingml/2006/main" xmlns:r="http://schemas.openxmlformats.org/officeDocument/2006/relationships" xmlns:p="http://schemas.openxmlformats.org/presentationml/2006/main">
+  <p:cSld>
+    <p:bg>
+      <p:bgPr>
+        <a:gradFill rotWithShape="1">
+          <a:gsLst>
+            <a:gs pos="0">
+              <a:schemeClr val="bg2">
+                <a:tint val="94000"/>
+                <a:satMod val="80000"/>
+                <a:lumMod val="106000"/>
+              </a:schemeClr>
+            </a:gs>
+            <a:gs pos="100000">
+              <a:schemeClr val="bg2">
+                <a:shade val="80000"/>
+              </a:schemeClr>
+            </a:gs>
+          </a:gsLst>
+          <a:path path="circle">
+            <a:fillToRect l="43000" r="43000" b="100000"/>
+          </a:path>
+        </a:gradFill>
+        <a:effectLst/>
+      </p:bgPr>
+    </p:bg>
+    <p:spTree>
+      <p:nvGrpSpPr>
+        <p:cNvPr id="1" name=""/>
+        <p:cNvGrpSpPr/>
+        <p:nvPr/>
+      </p:nvGrpSpPr>
+      <p:grpSpPr>
+        <a:xfrm>
+          <a:off x="0" y="0"/>
+          <a:ext cx="0" cy="0"/>
+          <a:chOff x="0" y="0"/>
+          <a:chExt cx="0" cy="0"/>
+        </a:xfrm>
+      </p:grpSpPr>
+      <p:sp>
+        <p:nvSpPr>
+          <p:cNvPr id="134" name="Rectangle 133">
+            <a:extLst>
+              <a:ext uri="{FF2B5EF4-FFF2-40B4-BE49-F238E27FC236}">
+                <a16:creationId xmlns:a16="http://schemas.microsoft.com/office/drawing/2014/main" id="{2FAC8C30-93FA-4F99-80C4-C952D83A4950}"/>
+              </a:ext>
+              <a:ext uri="{C183D7F6-B498-43B3-948B-1728B52AA6E4}">
+                <adec:decorative xmlns:adec="http://schemas.microsoft.com/office/drawing/2017/decorative" val="1"/>
+              </a:ext>
+            </a:extLst>
+          </p:cNvPr>
+          <p:cNvSpPr>
+            <a:spLocks noGrp="1" noRot="1" noChangeAspect="1" noMove="1" noResize="1" noEditPoints="1" noAdjustHandles="1" noChangeArrowheads="1" noChangeShapeType="1" noTextEdit="1"/>
+          </p:cNvSpPr>
+          <p:nvPr>
+            <p:extLst>
+              <p:ext uri="{386F3935-93C4-4BCD-93E2-E3B085C9AB24}">
+                <p16:designElem xmlns:p16="http://schemas.microsoft.com/office/powerpoint/2015/main" val="1"/>
+              </p:ext>
+            </p:extLst>
+          </p:nvPr>
+        </p:nvSpPr>
+        <p:spPr>
+          <a:xfrm>
+            <a:off x="0" y="2019476"/>
+            <a:ext cx="12192000" cy="4105941"/>
+          </a:xfrm>
+          <a:prstGeom prst="rect">
+            <a:avLst/>
+          </a:prstGeom>
+          <a:gradFill flip="none" rotWithShape="1">
+            <a:gsLst>
+              <a:gs pos="0">
+                <a:schemeClr val="bg2">
+                  <a:alpha val="0"/>
+                </a:schemeClr>
+              </a:gs>
+              <a:gs pos="100000">
+                <a:schemeClr val="bg2"/>
+              </a:gs>
+            </a:gsLst>
+            <a:lin ang="5400000" scaled="0"/>
+            <a:tileRect/>
+          </a:gradFill>
+          <a:ln>
+            <a:noFill/>
+          </a:ln>
+        </p:spPr>
+        <p:style>
+          <a:lnRef idx="2">
+            <a:schemeClr val="accent1">
+              <a:shade val="50000"/>
+            </a:schemeClr>
+          </a:lnRef>
+          <a:fillRef idx="1">
+            <a:schemeClr val="accent1"/>
+          </a:fillRef>
+          <a:effectRef idx="0">
+            <a:schemeClr val="accent1"/>
+          </a:effectRef>
+          <a:fontRef idx="minor">
+            <a:schemeClr val="lt1"/>
+          </a:fontRef>
+        </p:style>
+      </p:sp>
+      <p:pic>
+        <p:nvPicPr>
+          <p:cNvPr id="136" name="Picture 135">
+            <a:extLst>
+              <a:ext uri="{FF2B5EF4-FFF2-40B4-BE49-F238E27FC236}">
+                <a16:creationId xmlns:a16="http://schemas.microsoft.com/office/drawing/2014/main" id="{F3ACDE2A-6BC1-4786-87B1-F7DA35351E7A}"/>
+              </a:ext>
+              <a:ext uri="{C183D7F6-B498-43B3-948B-1728B52AA6E4}">
+                <adec:decorative xmlns:adec="http://schemas.microsoft.com/office/drawing/2017/decorative" val="1"/>
+              </a:ext>
+            </a:extLst>
+          </p:cNvPr>
+          <p:cNvPicPr>
+            <a:picLocks noGrp="1" noRot="1" noChangeAspect="1" noMove="1" noResize="1" noEditPoints="1" noAdjustHandles="1" noChangeArrowheads="1" noChangeShapeType="1" noCrop="1"/>
+          </p:cNvPicPr>
+          <p:nvPr>
+            <p:extLst>
+              <p:ext uri="{386F3935-93C4-4BCD-93E2-E3B085C9AB24}">
+                <p16:designElem xmlns:p16="http://schemas.microsoft.com/office/powerpoint/2015/main" val="1"/>
+              </p:ext>
+            </p:extLst>
+          </p:nvPr>
+        </p:nvPicPr>
+        <p:blipFill rotWithShape="1">
+          <a:blip r:embed="rId2">
+            <a:extLst>
+              <a:ext uri="{28A0092B-C50C-407E-A947-70E740481C1C}">
+                <a14:useLocalDpi xmlns:a14="http://schemas.microsoft.com/office/drawing/2010/main" val="0"/>
+              </a:ext>
+            </a:extLst>
+          </a:blip>
+          <a:srcRect t="1538" b="-1538"/>
+          <a:stretch/>
+        </p:blipFill>
+        <p:spPr bwMode="black">
+          <a:xfrm>
+            <a:off x="0" y="6126480"/>
+            <a:ext cx="12192000" cy="742950"/>
+          </a:xfrm>
+          <a:prstGeom prst="rect">
+            <a:avLst/>
+          </a:prstGeom>
+        </p:spPr>
+      </p:pic>
+      <p:cxnSp>
+        <p:nvCxnSpPr>
+          <p:cNvPr id="138" name="Straight Connector 137">
+            <a:extLst>
+              <a:ext uri="{FF2B5EF4-FFF2-40B4-BE49-F238E27FC236}">
+                <a16:creationId xmlns:a16="http://schemas.microsoft.com/office/drawing/2014/main" id="{0A2CC8B5-9886-4AFA-BE09-6178A4ED301A}"/>
+              </a:ext>
+              <a:ext uri="{C183D7F6-B498-43B3-948B-1728B52AA6E4}">
+                <adec:decorative xmlns:adec="http://schemas.microsoft.com/office/drawing/2017/decorative" val="1"/>
+              </a:ext>
+            </a:extLst>
+          </p:cNvPr>
+          <p:cNvCxnSpPr>
+            <a:cxnSpLocks noGrp="1" noRot="1" noChangeAspect="1" noMove="1" noResize="1" noEditPoints="1" noAdjustHandles="1" noChangeArrowheads="1" noChangeShapeType="1"/>
+          </p:cNvCxnSpPr>
+          <p:nvPr>
+            <p:extLst>
+              <p:ext uri="{386F3935-93C4-4BCD-93E2-E3B085C9AB24}">
+                <p16:designElem xmlns:p16="http://schemas.microsoft.com/office/powerpoint/2015/main" val="1"/>
+              </p:ext>
+            </p:extLst>
+          </p:nvPr>
+        </p:nvCxnSpPr>
+        <p:spPr>
+          <a:xfrm>
+            <a:off x="0" y="6128413"/>
+            <a:ext cx="12192000" cy="0"/>
+          </a:xfrm>
+          <a:prstGeom prst="line">
+            <a:avLst/>
+          </a:prstGeom>
+          <a:ln w="12700">
+            <a:solidFill>
+              <a:srgbClr val="000001">
+                <a:alpha val="20000"/>
+              </a:srgbClr>
+            </a:solidFill>
+          </a:ln>
+        </p:spPr>
+        <p:style>
+          <a:lnRef idx="1">
+            <a:schemeClr val="accent1"/>
+          </a:lnRef>
+          <a:fillRef idx="0">
+            <a:schemeClr val="accent1"/>
+          </a:fillRef>
+          <a:effectRef idx="0">
+            <a:schemeClr val="accent1"/>
+          </a:effectRef>
+          <a:fontRef idx="minor">
+            <a:schemeClr val="tx1"/>
+          </a:fontRef>
+        </p:style>
+      </p:cxnSp>
+      <p:sp useBgFill="1">
+        <p:nvSpPr>
+          <p:cNvPr id="147" name="Rectangle 139">
+            <a:extLst>
+              <a:ext uri="{FF2B5EF4-FFF2-40B4-BE49-F238E27FC236}">
+                <a16:creationId xmlns:a16="http://schemas.microsoft.com/office/drawing/2014/main" id="{87F32A0E-05A0-47B4-AA1E-84704ACC636B}"/>
+              </a:ext>
+              <a:ext uri="{C183D7F6-B498-43B3-948B-1728B52AA6E4}">
+                <adec:decorative xmlns:adec="http://schemas.microsoft.com/office/drawing/2017/decorative" val="1"/>
+              </a:ext>
+            </a:extLst>
+          </p:cNvPr>
+          <p:cNvSpPr>
+            <a:spLocks noGrp="1" noRot="1" noChangeAspect="1" noMove="1" noResize="1" noEditPoints="1" noAdjustHandles="1" noChangeArrowheads="1" noChangeShapeType="1" noTextEdit="1"/>
+          </p:cNvSpPr>
+          <p:nvPr>
+            <p:extLst>
+              <p:ext uri="{386F3935-93C4-4BCD-93E2-E3B085C9AB24}">
+                <p16:designElem xmlns:p16="http://schemas.microsoft.com/office/powerpoint/2015/main" val="1"/>
+              </p:ext>
+            </p:extLst>
+          </p:nvPr>
+        </p:nvSpPr>
+        <p:spPr>
+          <a:xfrm>
+            <a:off x="0" y="0"/>
+            <a:ext cx="12192000" cy="6858000"/>
+          </a:xfrm>
+          <a:prstGeom prst="rect">
+            <a:avLst/>
+          </a:prstGeom>
+          <a:ln>
+            <a:noFill/>
+          </a:ln>
+        </p:spPr>
+        <p:style>
+          <a:lnRef idx="2">
+            <a:schemeClr val="accent1">
+              <a:shade val="50000"/>
+            </a:schemeClr>
+          </a:lnRef>
+          <a:fillRef idx="1">
+            <a:schemeClr val="accent1"/>
+          </a:fillRef>
+          <a:effectRef idx="0">
+            <a:schemeClr val="accent1"/>
+          </a:effectRef>
+          <a:fontRef idx="minor">
+            <a:schemeClr val="lt1"/>
+          </a:fontRef>
+        </p:style>
+        <p:txBody>
+          <a:bodyPr rtlCol="0" anchor="ctr"/>
+          <a:lstStyle/>
+          <a:p>
+            <a:pPr algn="ctr"/>
+            <a:endParaRPr lang="en-US"/>
+          </a:p>
+        </p:txBody>
+      </p:sp>
+      <p:sp>
+        <p:nvSpPr>
+          <p:cNvPr id="148" name="Rectangle 141">
+            <a:extLst>
+              <a:ext uri="{FF2B5EF4-FFF2-40B4-BE49-F238E27FC236}">
+                <a16:creationId xmlns:a16="http://schemas.microsoft.com/office/drawing/2014/main" id="{6A731EC3-9556-4509-8379-DDBE0D4EB23A}"/>
+              </a:ext>
+              <a:ext uri="{C183D7F6-B498-43B3-948B-1728B52AA6E4}">
+                <adec:decorative xmlns:adec="http://schemas.microsoft.com/office/drawing/2017/decorative" val="1"/>
+              </a:ext>
+            </a:extLst>
+          </p:cNvPr>
+          <p:cNvSpPr>
+            <a:spLocks noGrp="1" noRot="1" noChangeAspect="1" noMove="1" noResize="1" noEditPoints="1" noAdjustHandles="1" noChangeArrowheads="1" noChangeShapeType="1" noTextEdit="1"/>
+          </p:cNvSpPr>
+          <p:nvPr>
+            <p:extLst>
+              <p:ext uri="{386F3935-93C4-4BCD-93E2-E3B085C9AB24}">
+                <p16:designElem xmlns:p16="http://schemas.microsoft.com/office/powerpoint/2015/main" val="1"/>
+              </p:ext>
+            </p:extLst>
+          </p:nvPr>
+        </p:nvSpPr>
+        <p:spPr>
+          <a:xfrm>
+            <a:off x="477012" y="480060"/>
+            <a:ext cx="11237976" cy="5897880"/>
+          </a:xfrm>
+          <a:prstGeom prst="rect">
+            <a:avLst/>
+          </a:prstGeom>
+          <a:solidFill>
+            <a:srgbClr val="FFFFFF"/>
+          </a:solidFill>
+          <a:ln w="22225">
+            <a:solidFill>
+              <a:schemeClr val="tx1">
+                <a:lumMod val="50000"/>
+                <a:lumOff val="50000"/>
+              </a:schemeClr>
+            </a:solidFill>
+          </a:ln>
+        </p:spPr>
+        <p:style>
+          <a:lnRef idx="2">
+            <a:schemeClr val="accent1">
+              <a:shade val="50000"/>
+            </a:schemeClr>
+          </a:lnRef>
+          <a:fillRef idx="1">
+            <a:schemeClr val="accent1"/>
+          </a:fillRef>
+          <a:effectRef idx="0">
+            <a:schemeClr val="accent1"/>
+          </a:effectRef>
+          <a:fontRef idx="minor">
+            <a:schemeClr val="lt1"/>
+          </a:fontRef>
+        </p:style>
+        <p:txBody>
+          <a:bodyPr rtlCol="0" anchor="ctr"/>
+          <a:lstStyle/>
+          <a:p>
+            <a:pPr algn="ctr"/>
+            <a:endParaRPr lang="en-US"/>
+          </a:p>
+        </p:txBody>
+      </p:sp>
+      <p:pic>
+        <p:nvPicPr>
+          <p:cNvPr id="17" name="Grafik 16" descr="Ein Bild, das Screenshot enthält.&#10;&#10;&#10;&#10;Automatisch generierte Beschreibung">
+            <a:extLst>
+              <a:ext uri="{FF2B5EF4-FFF2-40B4-BE49-F238E27FC236}">
+                <a16:creationId xmlns:a16="http://schemas.microsoft.com/office/drawing/2014/main" id="{5D9ADC01-25CB-2446-977F-2B4683EEC5BC}"/>
+              </a:ext>
+            </a:extLst>
+          </p:cNvPr>
+          <p:cNvPicPr>
+            <a:picLocks noChangeAspect="1"/>
+          </p:cNvPicPr>
+          <p:nvPr/>
+        </p:nvPicPr>
+        <p:blipFill>
+          <a:blip r:embed="rId3"/>
+          <a:stretch>
+            <a:fillRect/>
+          </a:stretch>
+        </p:blipFill>
+        <p:spPr>
+          <a:xfrm>
+            <a:off x="7850163" y="563063"/>
+            <a:ext cx="3662975" cy="5571066"/>
+          </a:xfrm>
+          <a:prstGeom prst="rect">
+            <a:avLst/>
+          </a:prstGeom>
+        </p:spPr>
+      </p:pic>
+      <p:pic>
+        <p:nvPicPr>
+          <p:cNvPr id="15" name="Grafik 14" descr="Ein Bild, das Screenshot enthält.&#10;&#10;&#10;&#10;Automatisch generierte Beschreibung">
+            <a:extLst>
+              <a:ext uri="{FF2B5EF4-FFF2-40B4-BE49-F238E27FC236}">
+                <a16:creationId xmlns:a16="http://schemas.microsoft.com/office/drawing/2014/main" id="{BF1BF9FE-BE67-CA4B-AE0C-819B1D239582}"/>
+              </a:ext>
+            </a:extLst>
+          </p:cNvPr>
+          <p:cNvPicPr>
+            <a:picLocks noChangeAspect="1"/>
+          </p:cNvPicPr>
+          <p:nvPr/>
+        </p:nvPicPr>
+        <p:blipFill>
+          <a:blip r:embed="rId4"/>
+          <a:stretch>
+            <a:fillRect/>
+          </a:stretch>
+        </p:blipFill>
+        <p:spPr>
+          <a:xfrm>
+            <a:off x="579909" y="1211289"/>
+            <a:ext cx="7068404" cy="4435422"/>
+          </a:xfrm>
+          <a:prstGeom prst="rect">
+            <a:avLst/>
+          </a:prstGeom>
+        </p:spPr>
+      </p:pic>
+    </p:spTree>
+    <p:extLst>
+      <p:ext uri="{BB962C8B-B14F-4D97-AF65-F5344CB8AC3E}">
+        <p14:creationId xmlns:p14="http://schemas.microsoft.com/office/powerpoint/2010/main" val="4039200114"/>
+      </p:ext>
+    </p:extLst>
+  </p:cSld>
+  <p:clrMapOvr>
+    <a:masterClrMapping/>
+  </p:clrMapOvr>
+</p:sld>
+</file>
+
 <file path=ppt/slides/slide2.xml><?xml version="1.0" encoding="utf-8"?>
 <p:sld xmlns:a="http://schemas.openxmlformats.org/drawingml/2006/main" xmlns:r="http://schemas.openxmlformats.org/officeDocument/2006/relationships" xmlns:p="http://schemas.openxmlformats.org/presentationml/2006/main">
   <p:cSld>
@@ -6142,6 +8995,784 @@
     <p:extLst>
       <p:ext uri="{BB962C8B-B14F-4D97-AF65-F5344CB8AC3E}">
         <p14:creationId xmlns:p14="http://schemas.microsoft.com/office/powerpoint/2010/main" val="662441986"/>
+      </p:ext>
+    </p:extLst>
+  </p:cSld>
+  <p:clrMapOvr>
+    <a:masterClrMapping/>
+  </p:clrMapOvr>
+</p:sld>
+</file>
+
+<file path=ppt/slides/slide8.xml><?xml version="1.0" encoding="utf-8"?>
+<p:sld xmlns:a="http://schemas.openxmlformats.org/drawingml/2006/main" xmlns:r="http://schemas.openxmlformats.org/officeDocument/2006/relationships" xmlns:p="http://schemas.openxmlformats.org/presentationml/2006/main">
+  <p:cSld>
+    <p:bg>
+      <p:bgPr>
+        <a:gradFill rotWithShape="1">
+          <a:gsLst>
+            <a:gs pos="0">
+              <a:schemeClr val="bg2">
+                <a:tint val="94000"/>
+                <a:satMod val="80000"/>
+                <a:lumMod val="106000"/>
+              </a:schemeClr>
+            </a:gs>
+            <a:gs pos="100000">
+              <a:schemeClr val="bg2">
+                <a:shade val="80000"/>
+              </a:schemeClr>
+            </a:gs>
+          </a:gsLst>
+          <a:path path="circle">
+            <a:fillToRect l="43000" r="43000" b="100000"/>
+          </a:path>
+        </a:gradFill>
+        <a:effectLst/>
+      </p:bgPr>
+    </p:bg>
+    <p:spTree>
+      <p:nvGrpSpPr>
+        <p:cNvPr id="1" name=""/>
+        <p:cNvGrpSpPr/>
+        <p:nvPr/>
+      </p:nvGrpSpPr>
+      <p:grpSpPr>
+        <a:xfrm>
+          <a:off x="0" y="0"/>
+          <a:ext cx="0" cy="0"/>
+          <a:chOff x="0" y="0"/>
+          <a:chExt cx="0" cy="0"/>
+        </a:xfrm>
+      </p:grpSpPr>
+      <p:sp>
+        <p:nvSpPr>
+          <p:cNvPr id="10" name="Rectangle 9">
+            <a:extLst>
+              <a:ext uri="{FF2B5EF4-FFF2-40B4-BE49-F238E27FC236}">
+                <a16:creationId xmlns:a16="http://schemas.microsoft.com/office/drawing/2014/main" id="{0CABCAE3-64FC-4149-819F-2C1812824154}"/>
+              </a:ext>
+              <a:ext uri="{C183D7F6-B498-43B3-948B-1728B52AA6E4}">
+                <adec:decorative xmlns:adec="http://schemas.microsoft.com/office/drawing/2017/decorative" val="1"/>
+              </a:ext>
+            </a:extLst>
+          </p:cNvPr>
+          <p:cNvSpPr>
+            <a:spLocks noGrp="1" noRot="1" noChangeAspect="1" noMove="1" noResize="1" noEditPoints="1" noAdjustHandles="1" noChangeArrowheads="1" noChangeShapeType="1" noTextEdit="1"/>
+          </p:cNvSpPr>
+          <p:nvPr>
+            <p:extLst>
+              <p:ext uri="{386F3935-93C4-4BCD-93E2-E3B085C9AB24}">
+                <p16:designElem xmlns:p16="http://schemas.microsoft.com/office/powerpoint/2015/main" val="1"/>
+              </p:ext>
+            </p:extLst>
+          </p:nvPr>
+        </p:nvSpPr>
+        <p:spPr>
+          <a:xfrm>
+            <a:off x="0" y="2019476"/>
+            <a:ext cx="12192000" cy="4105941"/>
+          </a:xfrm>
+          <a:prstGeom prst="rect">
+            <a:avLst/>
+          </a:prstGeom>
+          <a:gradFill flip="none" rotWithShape="1">
+            <a:gsLst>
+              <a:gs pos="0">
+                <a:schemeClr val="bg2">
+                  <a:alpha val="0"/>
+                </a:schemeClr>
+              </a:gs>
+              <a:gs pos="100000">
+                <a:schemeClr val="bg2"/>
+              </a:gs>
+            </a:gsLst>
+            <a:lin ang="5400000" scaled="0"/>
+            <a:tileRect/>
+          </a:gradFill>
+          <a:ln>
+            <a:noFill/>
+          </a:ln>
+        </p:spPr>
+        <p:style>
+          <a:lnRef idx="2">
+            <a:schemeClr val="accent1">
+              <a:shade val="50000"/>
+            </a:schemeClr>
+          </a:lnRef>
+          <a:fillRef idx="1">
+            <a:schemeClr val="accent1"/>
+          </a:fillRef>
+          <a:effectRef idx="0">
+            <a:schemeClr val="accent1"/>
+          </a:effectRef>
+          <a:fontRef idx="minor">
+            <a:schemeClr val="lt1"/>
+          </a:fontRef>
+        </p:style>
+      </p:sp>
+      <p:pic>
+        <p:nvPicPr>
+          <p:cNvPr id="12" name="Picture 11">
+            <a:extLst>
+              <a:ext uri="{FF2B5EF4-FFF2-40B4-BE49-F238E27FC236}">
+                <a16:creationId xmlns:a16="http://schemas.microsoft.com/office/drawing/2014/main" id="{012FDCFE-9AD2-4D8A-8CBF-B3AA37EBF6DD}"/>
+              </a:ext>
+              <a:ext uri="{C183D7F6-B498-43B3-948B-1728B52AA6E4}">
+                <adec:decorative xmlns:adec="http://schemas.microsoft.com/office/drawing/2017/decorative" val="1"/>
+              </a:ext>
+            </a:extLst>
+          </p:cNvPr>
+          <p:cNvPicPr>
+            <a:picLocks noGrp="1" noRot="1" noChangeAspect="1" noMove="1" noResize="1" noEditPoints="1" noAdjustHandles="1" noChangeArrowheads="1" noChangeShapeType="1" noCrop="1"/>
+          </p:cNvPicPr>
+          <p:nvPr>
+            <p:extLst>
+              <p:ext uri="{386F3935-93C4-4BCD-93E2-E3B085C9AB24}">
+                <p16:designElem xmlns:p16="http://schemas.microsoft.com/office/powerpoint/2015/main" val="1"/>
+              </p:ext>
+            </p:extLst>
+          </p:nvPr>
+        </p:nvPicPr>
+        <p:blipFill rotWithShape="1">
+          <a:blip r:embed="rId2">
+            <a:extLst>
+              <a:ext uri="{28A0092B-C50C-407E-A947-70E740481C1C}">
+                <a14:useLocalDpi xmlns:a14="http://schemas.microsoft.com/office/drawing/2010/main" val="0"/>
+              </a:ext>
+            </a:extLst>
+          </a:blip>
+          <a:srcRect t="1538" b="-1538"/>
+          <a:stretch/>
+        </p:blipFill>
+        <p:spPr bwMode="black">
+          <a:xfrm>
+            <a:off x="0" y="6126480"/>
+            <a:ext cx="12192000" cy="742950"/>
+          </a:xfrm>
+          <a:prstGeom prst="rect">
+            <a:avLst/>
+          </a:prstGeom>
+        </p:spPr>
+      </p:pic>
+      <p:cxnSp>
+        <p:nvCxnSpPr>
+          <p:cNvPr id="14" name="Straight Connector 13">
+            <a:extLst>
+              <a:ext uri="{FF2B5EF4-FFF2-40B4-BE49-F238E27FC236}">
+                <a16:creationId xmlns:a16="http://schemas.microsoft.com/office/drawing/2014/main" id="{FBD463FC-4CA8-4FF4-85A3-AF9F4B98D210}"/>
+              </a:ext>
+              <a:ext uri="{C183D7F6-B498-43B3-948B-1728B52AA6E4}">
+                <adec:decorative xmlns:adec="http://schemas.microsoft.com/office/drawing/2017/decorative" val="1"/>
+              </a:ext>
+            </a:extLst>
+          </p:cNvPr>
+          <p:cNvCxnSpPr>
+            <a:cxnSpLocks noGrp="1" noRot="1" noChangeAspect="1" noMove="1" noResize="1" noEditPoints="1" noAdjustHandles="1" noChangeArrowheads="1" noChangeShapeType="1"/>
+          </p:cNvCxnSpPr>
+          <p:nvPr>
+            <p:extLst>
+              <p:ext uri="{386F3935-93C4-4BCD-93E2-E3B085C9AB24}">
+                <p16:designElem xmlns:p16="http://schemas.microsoft.com/office/powerpoint/2015/main" val="1"/>
+              </p:ext>
+            </p:extLst>
+          </p:nvPr>
+        </p:nvCxnSpPr>
+        <p:spPr>
+          <a:xfrm>
+            <a:off x="0" y="6128413"/>
+            <a:ext cx="12192000" cy="0"/>
+          </a:xfrm>
+          <a:prstGeom prst="line">
+            <a:avLst/>
+          </a:prstGeom>
+          <a:ln w="12700">
+            <a:solidFill>
+              <a:srgbClr val="000001">
+                <a:alpha val="20000"/>
+              </a:srgbClr>
+            </a:solidFill>
+          </a:ln>
+        </p:spPr>
+        <p:style>
+          <a:lnRef idx="1">
+            <a:schemeClr val="accent1"/>
+          </a:lnRef>
+          <a:fillRef idx="0">
+            <a:schemeClr val="accent1"/>
+          </a:fillRef>
+          <a:effectRef idx="0">
+            <a:schemeClr val="accent1"/>
+          </a:effectRef>
+          <a:fontRef idx="minor">
+            <a:schemeClr val="tx1"/>
+          </a:fontRef>
+        </p:style>
+      </p:cxnSp>
+      <p:cxnSp>
+        <p:nvCxnSpPr>
+          <p:cNvPr id="16" name="Straight Connector 15">
+            <a:extLst>
+              <a:ext uri="{FF2B5EF4-FFF2-40B4-BE49-F238E27FC236}">
+                <a16:creationId xmlns:a16="http://schemas.microsoft.com/office/drawing/2014/main" id="{BECF35C3-8B44-4F4B-BD25-4C01823DB22A}"/>
+              </a:ext>
+              <a:ext uri="{C183D7F6-B498-43B3-948B-1728B52AA6E4}">
+                <adec:decorative xmlns:adec="http://schemas.microsoft.com/office/drawing/2017/decorative" val="1"/>
+              </a:ext>
+            </a:extLst>
+          </p:cNvPr>
+          <p:cNvCxnSpPr>
+            <a:cxnSpLocks noGrp="1" noRot="1" noChangeAspect="1" noMove="1" noResize="1" noEditPoints="1" noAdjustHandles="1" noChangeArrowheads="1" noChangeShapeType="1"/>
+          </p:cNvCxnSpPr>
+          <p:nvPr>
+            <p:extLst>
+              <p:ext uri="{386F3935-93C4-4BCD-93E2-E3B085C9AB24}">
+                <p16:designElem xmlns:p16="http://schemas.microsoft.com/office/powerpoint/2015/main" val="1"/>
+              </p:ext>
+            </p:extLst>
+          </p:nvPr>
+        </p:nvCxnSpPr>
+        <p:spPr>
+          <a:xfrm>
+            <a:off x="2417780" y="3528542"/>
+            <a:ext cx="8637072" cy="0"/>
+          </a:xfrm>
+          <a:prstGeom prst="line">
+            <a:avLst/>
+          </a:prstGeom>
+          <a:ln w="31750"/>
+        </p:spPr>
+        <p:style>
+          <a:lnRef idx="3">
+            <a:schemeClr val="accent1"/>
+          </a:lnRef>
+          <a:fillRef idx="0">
+            <a:schemeClr val="accent1"/>
+          </a:fillRef>
+          <a:effectRef idx="2">
+            <a:schemeClr val="accent1"/>
+          </a:effectRef>
+          <a:fontRef idx="minor">
+            <a:schemeClr val="tx1"/>
+          </a:fontRef>
+        </p:style>
+      </p:cxnSp>
+      <p:sp useBgFill="1">
+        <p:nvSpPr>
+          <p:cNvPr id="18" name="Rectangle 17">
+            <a:extLst>
+              <a:ext uri="{FF2B5EF4-FFF2-40B4-BE49-F238E27FC236}">
+                <a16:creationId xmlns:a16="http://schemas.microsoft.com/office/drawing/2014/main" id="{D0712110-0BC1-4B31-B3BB-63B44222E87F}"/>
+              </a:ext>
+              <a:ext uri="{C183D7F6-B498-43B3-948B-1728B52AA6E4}">
+                <adec:decorative xmlns:adec="http://schemas.microsoft.com/office/drawing/2017/decorative" val="1"/>
+              </a:ext>
+            </a:extLst>
+          </p:cNvPr>
+          <p:cNvSpPr>
+            <a:spLocks noGrp="1" noRot="1" noChangeAspect="1" noMove="1" noResize="1" noEditPoints="1" noAdjustHandles="1" noChangeArrowheads="1" noChangeShapeType="1" noTextEdit="1"/>
+          </p:cNvSpPr>
+          <p:nvPr>
+            <p:extLst>
+              <p:ext uri="{386F3935-93C4-4BCD-93E2-E3B085C9AB24}">
+                <p16:designElem xmlns:p16="http://schemas.microsoft.com/office/powerpoint/2015/main" val="1"/>
+              </p:ext>
+            </p:extLst>
+          </p:nvPr>
+        </p:nvSpPr>
+        <p:spPr>
+          <a:xfrm>
+            <a:off x="2" y="0"/>
+            <a:ext cx="12191695" cy="6858000"/>
+          </a:xfrm>
+          <a:prstGeom prst="rect">
+            <a:avLst/>
+          </a:prstGeom>
+          <a:ln>
+            <a:noFill/>
+          </a:ln>
+        </p:spPr>
+        <p:style>
+          <a:lnRef idx="2">
+            <a:schemeClr val="accent1">
+              <a:shade val="50000"/>
+            </a:schemeClr>
+          </a:lnRef>
+          <a:fillRef idx="1">
+            <a:schemeClr val="accent1"/>
+          </a:fillRef>
+          <a:effectRef idx="0">
+            <a:schemeClr val="accent1"/>
+          </a:effectRef>
+          <a:fontRef idx="minor">
+            <a:schemeClr val="lt1"/>
+          </a:fontRef>
+        </p:style>
+        <p:txBody>
+          <a:bodyPr rtlCol="0" anchor="ctr"/>
+          <a:lstStyle/>
+          <a:p>
+            <a:pPr algn="ctr"/>
+            <a:endParaRPr lang="en-US"/>
+          </a:p>
+        </p:txBody>
+      </p:sp>
+      <p:sp>
+        <p:nvSpPr>
+          <p:cNvPr id="20" name="Rectangle 19">
+            <a:extLst>
+              <a:ext uri="{FF2B5EF4-FFF2-40B4-BE49-F238E27FC236}">
+                <a16:creationId xmlns:a16="http://schemas.microsoft.com/office/drawing/2014/main" id="{4466B5F3-C053-4580-B04A-1EF949888280}"/>
+              </a:ext>
+              <a:ext uri="{C183D7F6-B498-43B3-948B-1728B52AA6E4}">
+                <adec:decorative xmlns:adec="http://schemas.microsoft.com/office/drawing/2017/decorative" val="1"/>
+              </a:ext>
+            </a:extLst>
+          </p:cNvPr>
+          <p:cNvSpPr>
+            <a:spLocks noGrp="1" noRot="1" noChangeAspect="1" noMove="1" noResize="1" noEditPoints="1" noAdjustHandles="1" noChangeArrowheads="1" noChangeShapeType="1" noTextEdit="1"/>
+          </p:cNvSpPr>
+          <p:nvPr>
+            <p:extLst>
+              <p:ext uri="{386F3935-93C4-4BCD-93E2-E3B085C9AB24}">
+                <p16:designElem xmlns:p16="http://schemas.microsoft.com/office/powerpoint/2015/main" val="1"/>
+              </p:ext>
+            </p:extLst>
+          </p:nvPr>
+        </p:nvSpPr>
+        <p:spPr>
+          <a:xfrm>
+            <a:off x="0" y="2019476"/>
+            <a:ext cx="12192000" cy="4105941"/>
+          </a:xfrm>
+          <a:prstGeom prst="rect">
+            <a:avLst/>
+          </a:prstGeom>
+          <a:gradFill flip="none" rotWithShape="1">
+            <a:gsLst>
+              <a:gs pos="0">
+                <a:schemeClr val="bg2">
+                  <a:alpha val="0"/>
+                </a:schemeClr>
+              </a:gs>
+              <a:gs pos="100000">
+                <a:schemeClr val="bg2"/>
+              </a:gs>
+            </a:gsLst>
+            <a:lin ang="5400000" scaled="0"/>
+            <a:tileRect/>
+          </a:gradFill>
+          <a:ln>
+            <a:noFill/>
+          </a:ln>
+        </p:spPr>
+        <p:style>
+          <a:lnRef idx="2">
+            <a:schemeClr val="accent1">
+              <a:shade val="50000"/>
+            </a:schemeClr>
+          </a:lnRef>
+          <a:fillRef idx="1">
+            <a:schemeClr val="accent1"/>
+          </a:fillRef>
+          <a:effectRef idx="0">
+            <a:schemeClr val="accent1"/>
+          </a:effectRef>
+          <a:fontRef idx="minor">
+            <a:schemeClr val="lt1"/>
+          </a:fontRef>
+        </p:style>
+        <p:txBody>
+          <a:bodyPr rtlCol="0" anchor="ctr"/>
+          <a:lstStyle/>
+          <a:p>
+            <a:pPr lvl="0" algn="ctr"/>
+            <a:endParaRPr lang="en-US"/>
+          </a:p>
+        </p:txBody>
+      </p:sp>
+      <p:sp>
+        <p:nvSpPr>
+          <p:cNvPr id="2" name="Titel 1">
+            <a:extLst>
+              <a:ext uri="{FF2B5EF4-FFF2-40B4-BE49-F238E27FC236}">
+                <a16:creationId xmlns:a16="http://schemas.microsoft.com/office/drawing/2014/main" id="{99F2C7D8-5D70-104F-8302-A96740D08A8A}"/>
+              </a:ext>
+            </a:extLst>
+          </p:cNvPr>
+          <p:cNvSpPr>
+            <a:spLocks noGrp="1"/>
+          </p:cNvSpPr>
+          <p:nvPr>
+            <p:ph type="title"/>
+          </p:nvPr>
+        </p:nvSpPr>
+        <p:spPr>
+          <a:xfrm>
+            <a:off x="1452616" y="962902"/>
+            <a:ext cx="4176384" cy="2380828"/>
+          </a:xfrm>
+        </p:spPr>
+        <p:txBody>
+          <a:bodyPr vert="horz" lIns="91440" tIns="45720" rIns="91440" bIns="0" rtlCol="0" anchor="b">
+            <a:normAutofit/>
+          </a:bodyPr>
+          <a:lstStyle/>
+          <a:p>
+            <a:r>
+              <a:rPr lang="en-US" sz="4800"/>
+              <a:t>Vue</a:t>
+            </a:r>
+          </a:p>
+        </p:txBody>
+      </p:sp>
+      <p:cxnSp>
+        <p:nvCxnSpPr>
+          <p:cNvPr id="22" name="Straight Connector 21">
+            <a:extLst>
+              <a:ext uri="{FF2B5EF4-FFF2-40B4-BE49-F238E27FC236}">
+                <a16:creationId xmlns:a16="http://schemas.microsoft.com/office/drawing/2014/main" id="{FA6123F2-4B61-414F-A7E5-5B7828EACAE2}"/>
+              </a:ext>
+              <a:ext uri="{C183D7F6-B498-43B3-948B-1728B52AA6E4}">
+                <adec:decorative xmlns:adec="http://schemas.microsoft.com/office/drawing/2017/decorative" val="1"/>
+              </a:ext>
+            </a:extLst>
+          </p:cNvPr>
+          <p:cNvCxnSpPr>
+            <a:cxnSpLocks noGrp="1" noRot="1" noChangeAspect="1" noMove="1" noResize="1" noEditPoints="1" noAdjustHandles="1" noChangeArrowheads="1" noChangeShapeType="1"/>
+          </p:cNvCxnSpPr>
+          <p:nvPr>
+            <p:extLst>
+              <p:ext uri="{386F3935-93C4-4BCD-93E2-E3B085C9AB24}">
+                <p16:designElem xmlns:p16="http://schemas.microsoft.com/office/powerpoint/2015/main" val="1"/>
+              </p:ext>
+            </p:extLst>
+          </p:nvPr>
+        </p:nvCxnSpPr>
+        <p:spPr>
+          <a:xfrm>
+            <a:off x="1452617" y="3528543"/>
+            <a:ext cx="4171479" cy="0"/>
+          </a:xfrm>
+          <a:prstGeom prst="line">
+            <a:avLst/>
+          </a:prstGeom>
+          <a:ln w="31750"/>
+        </p:spPr>
+        <p:style>
+          <a:lnRef idx="3">
+            <a:schemeClr val="accent1"/>
+          </a:lnRef>
+          <a:fillRef idx="0">
+            <a:schemeClr val="accent1"/>
+          </a:fillRef>
+          <a:effectRef idx="2">
+            <a:schemeClr val="accent1"/>
+          </a:effectRef>
+          <a:fontRef idx="minor">
+            <a:schemeClr val="tx1"/>
+          </a:fontRef>
+        </p:style>
+      </p:cxnSp>
+      <p:pic>
+        <p:nvPicPr>
+          <p:cNvPr id="5" name="Inhaltsplatzhalter 4">
+            <a:extLst>
+              <a:ext uri="{FF2B5EF4-FFF2-40B4-BE49-F238E27FC236}">
+                <a16:creationId xmlns:a16="http://schemas.microsoft.com/office/drawing/2014/main" id="{274C5E2C-B4E0-5344-8DE1-E408AA7A6F28}"/>
+              </a:ext>
+            </a:extLst>
+          </p:cNvPr>
+          <p:cNvPicPr>
+            <a:picLocks noGrp="1" noChangeAspect="1"/>
+          </p:cNvPicPr>
+          <p:nvPr>
+            <p:ph idx="1"/>
+          </p:nvPr>
+        </p:nvPicPr>
+        <p:blipFill>
+          <a:blip r:embed="rId3"/>
+          <a:stretch>
+            <a:fillRect/>
+          </a:stretch>
+        </p:blipFill>
+        <p:spPr>
+          <a:xfrm>
+            <a:off x="6094411" y="990573"/>
+            <a:ext cx="4960442" cy="4290781"/>
+          </a:xfrm>
+          <a:prstGeom prst="rect">
+            <a:avLst/>
+          </a:prstGeom>
+        </p:spPr>
+      </p:pic>
+      <p:pic>
+        <p:nvPicPr>
+          <p:cNvPr id="24" name="Picture 23">
+            <a:extLst>
+              <a:ext uri="{FF2B5EF4-FFF2-40B4-BE49-F238E27FC236}">
+                <a16:creationId xmlns:a16="http://schemas.microsoft.com/office/drawing/2014/main" id="{25CED634-E2D0-4AB7-96DD-816C9B52C5CF}"/>
+              </a:ext>
+              <a:ext uri="{C183D7F6-B498-43B3-948B-1728B52AA6E4}">
+                <adec:decorative xmlns:adec="http://schemas.microsoft.com/office/drawing/2017/decorative" val="1"/>
+              </a:ext>
+            </a:extLst>
+          </p:cNvPr>
+          <p:cNvPicPr>
+            <a:picLocks noGrp="1" noRot="1" noChangeAspect="1" noMove="1" noResize="1" noEditPoints="1" noAdjustHandles="1" noChangeArrowheads="1" noChangeShapeType="1" noCrop="1"/>
+          </p:cNvPicPr>
+          <p:nvPr>
+            <p:extLst>
+              <p:ext uri="{386F3935-93C4-4BCD-93E2-E3B085C9AB24}">
+                <p16:designElem xmlns:p16="http://schemas.microsoft.com/office/powerpoint/2015/main" val="1"/>
+              </p:ext>
+            </p:extLst>
+          </p:nvPr>
+        </p:nvPicPr>
+        <p:blipFill rotWithShape="1">
+          <a:blip r:embed="rId2">
+            <a:extLst>
+              <a:ext uri="{28A0092B-C50C-407E-A947-70E740481C1C}">
+                <a14:useLocalDpi xmlns:a14="http://schemas.microsoft.com/office/drawing/2010/main" val="0"/>
+              </a:ext>
+            </a:extLst>
+          </a:blip>
+          <a:srcRect t="1538" b="-1538"/>
+          <a:stretch/>
+        </p:blipFill>
+        <p:spPr bwMode="black">
+          <a:xfrm>
+            <a:off x="0" y="6126480"/>
+            <a:ext cx="12192000" cy="742950"/>
+          </a:xfrm>
+          <a:prstGeom prst="rect">
+            <a:avLst/>
+          </a:prstGeom>
+        </p:spPr>
+      </p:pic>
+      <p:cxnSp>
+        <p:nvCxnSpPr>
+          <p:cNvPr id="26" name="Straight Connector 25">
+            <a:extLst>
+              <a:ext uri="{FF2B5EF4-FFF2-40B4-BE49-F238E27FC236}">
+                <a16:creationId xmlns:a16="http://schemas.microsoft.com/office/drawing/2014/main" id="{FCDDCDFB-696D-4FDF-9B58-24F71B7C37BC}"/>
+              </a:ext>
+              <a:ext uri="{C183D7F6-B498-43B3-948B-1728B52AA6E4}">
+                <adec:decorative xmlns:adec="http://schemas.microsoft.com/office/drawing/2017/decorative" val="1"/>
+              </a:ext>
+            </a:extLst>
+          </p:cNvPr>
+          <p:cNvCxnSpPr>
+            <a:cxnSpLocks noGrp="1" noRot="1" noChangeAspect="1" noMove="1" noResize="1" noEditPoints="1" noAdjustHandles="1" noChangeArrowheads="1" noChangeShapeType="1"/>
+          </p:cNvCxnSpPr>
+          <p:nvPr>
+            <p:extLst>
+              <p:ext uri="{386F3935-93C4-4BCD-93E2-E3B085C9AB24}">
+                <p16:designElem xmlns:p16="http://schemas.microsoft.com/office/powerpoint/2015/main" val="1"/>
+              </p:ext>
+            </p:extLst>
+          </p:nvPr>
+        </p:nvCxnSpPr>
+        <p:spPr>
+          <a:xfrm>
+            <a:off x="0" y="6128413"/>
+            <a:ext cx="12192000" cy="0"/>
+          </a:xfrm>
+          <a:prstGeom prst="line">
+            <a:avLst/>
+          </a:prstGeom>
+          <a:ln w="12700">
+            <a:solidFill>
+              <a:srgbClr val="000001">
+                <a:alpha val="20000"/>
+              </a:srgbClr>
+            </a:solidFill>
+          </a:ln>
+        </p:spPr>
+        <p:style>
+          <a:lnRef idx="1">
+            <a:schemeClr val="accent1"/>
+          </a:lnRef>
+          <a:fillRef idx="0">
+            <a:schemeClr val="accent1"/>
+          </a:fillRef>
+          <a:effectRef idx="0">
+            <a:schemeClr val="accent1"/>
+          </a:effectRef>
+          <a:fontRef idx="minor">
+            <a:schemeClr val="tx1"/>
+          </a:fontRef>
+        </p:style>
+      </p:cxnSp>
+    </p:spTree>
+    <p:extLst>
+      <p:ext uri="{BB962C8B-B14F-4D97-AF65-F5344CB8AC3E}">
+        <p14:creationId xmlns:p14="http://schemas.microsoft.com/office/powerpoint/2010/main" val="2301010502"/>
+      </p:ext>
+    </p:extLst>
+  </p:cSld>
+  <p:clrMapOvr>
+    <a:masterClrMapping/>
+  </p:clrMapOvr>
+</p:sld>
+</file>
+
+<file path=ppt/slides/slide9.xml><?xml version="1.0" encoding="utf-8"?>
+<p:sld xmlns:a="http://schemas.openxmlformats.org/drawingml/2006/main" xmlns:r="http://schemas.openxmlformats.org/officeDocument/2006/relationships" xmlns:p="http://schemas.openxmlformats.org/presentationml/2006/main">
+  <p:cSld>
+    <p:spTree>
+      <p:nvGrpSpPr>
+        <p:cNvPr id="1" name=""/>
+        <p:cNvGrpSpPr/>
+        <p:nvPr/>
+      </p:nvGrpSpPr>
+      <p:grpSpPr>
+        <a:xfrm>
+          <a:off x="0" y="0"/>
+          <a:ext cx="0" cy="0"/>
+          <a:chOff x="0" y="0"/>
+          <a:chExt cx="0" cy="0"/>
+        </a:xfrm>
+      </p:grpSpPr>
+      <p:sp>
+        <p:nvSpPr>
+          <p:cNvPr id="2" name="Titel 1">
+            <a:extLst>
+              <a:ext uri="{FF2B5EF4-FFF2-40B4-BE49-F238E27FC236}">
+                <a16:creationId xmlns:a16="http://schemas.microsoft.com/office/drawing/2014/main" id="{8C4FCB4C-7F05-E14D-B0CD-B2CD9610F00D}"/>
+              </a:ext>
+            </a:extLst>
+          </p:cNvPr>
+          <p:cNvSpPr>
+            <a:spLocks noGrp="1"/>
+          </p:cNvSpPr>
+          <p:nvPr>
+            <p:ph type="title"/>
+          </p:nvPr>
+        </p:nvSpPr>
+        <p:spPr/>
+        <p:txBody>
+          <a:bodyPr/>
+          <a:lstStyle/>
+          <a:p>
+            <a:r>
+              <a:rPr lang="de-DE" dirty="0" err="1"/>
+              <a:t>Vue</a:t>
+            </a:r>
+            <a:endParaRPr lang="de-DE" dirty="0"/>
+          </a:p>
+        </p:txBody>
+      </p:sp>
+      <p:sp>
+        <p:nvSpPr>
+          <p:cNvPr id="3" name="Inhaltsplatzhalter 2">
+            <a:extLst>
+              <a:ext uri="{FF2B5EF4-FFF2-40B4-BE49-F238E27FC236}">
+                <a16:creationId xmlns:a16="http://schemas.microsoft.com/office/drawing/2014/main" id="{432050DF-2F28-3E40-8A19-AD6EEF852DCC}"/>
+              </a:ext>
+            </a:extLst>
+          </p:cNvPr>
+          <p:cNvSpPr>
+            <a:spLocks noGrp="1"/>
+          </p:cNvSpPr>
+          <p:nvPr>
+            <p:ph idx="1"/>
+          </p:nvPr>
+        </p:nvSpPr>
+        <p:spPr/>
+        <p:txBody>
+          <a:bodyPr/>
+          <a:lstStyle/>
+          <a:p>
+            <a:r>
+              <a:rPr lang="de-DE" b="1" dirty="0"/>
+              <a:t>Clientseitiges JavaScript-Webframework</a:t>
+            </a:r>
+            <a:r>
+              <a:rPr lang="de-DE" dirty="0"/>
+              <a:t> </a:t>
+            </a:r>
+          </a:p>
+          <a:p>
+            <a:r>
+              <a:rPr lang="de-DE" b="1" dirty="0" err="1"/>
+              <a:t>Databinding</a:t>
+            </a:r>
+            <a:r>
+              <a:rPr lang="de-DE" dirty="0"/>
+              <a:t> durch das </a:t>
+            </a:r>
+            <a:r>
+              <a:rPr lang="de-DE" b="1" dirty="0"/>
+              <a:t>MVVM-Muster</a:t>
+            </a:r>
+            <a:r>
+              <a:rPr lang="de-DE" dirty="0"/>
+              <a:t>.</a:t>
+            </a:r>
+          </a:p>
+          <a:p>
+            <a:r>
+              <a:rPr lang="de-DE" dirty="0"/>
+              <a:t>Zum Erstellen von </a:t>
+            </a:r>
+            <a:r>
+              <a:rPr lang="de-DE" b="1" dirty="0"/>
+              <a:t>Single-Page-Webanwendungen</a:t>
+            </a:r>
+            <a:r>
+              <a:rPr lang="de-DE" dirty="0"/>
+              <a:t>.</a:t>
+            </a:r>
+          </a:p>
+          <a:p>
+            <a:r>
+              <a:rPr lang="de-DE" dirty="0"/>
+              <a:t>Kann auch in </a:t>
+            </a:r>
+            <a:r>
+              <a:rPr lang="de-DE" b="1" dirty="0"/>
+              <a:t>Multipage Webseiten</a:t>
+            </a:r>
+            <a:r>
+              <a:rPr lang="de-DE" dirty="0"/>
+              <a:t> verwendet werden.</a:t>
+            </a:r>
+          </a:p>
+          <a:p>
+            <a:r>
+              <a:rPr lang="de-DE" dirty="0"/>
+              <a:t>Ähnlich zu </a:t>
+            </a:r>
+            <a:r>
+              <a:rPr lang="de-DE" b="1" dirty="0" err="1"/>
+              <a:t>AngularJS</a:t>
+            </a:r>
+            <a:r>
+              <a:rPr lang="de-DE" dirty="0"/>
+              <a:t> und </a:t>
+            </a:r>
+            <a:r>
+              <a:rPr lang="de-DE" b="1" dirty="0" err="1"/>
+              <a:t>ReactJS</a:t>
+            </a:r>
+            <a:endParaRPr lang="de-DE" b="1" dirty="0"/>
+          </a:p>
+          <a:p>
+            <a:endParaRPr lang="de-DE" b="1" dirty="0"/>
+          </a:p>
+          <a:p>
+            <a:endParaRPr lang="de-DE" dirty="0"/>
+          </a:p>
+          <a:p>
+            <a:endParaRPr lang="de-DE" dirty="0"/>
+          </a:p>
+        </p:txBody>
+      </p:sp>
+    </p:spTree>
+    <p:extLst>
+      <p:ext uri="{BB962C8B-B14F-4D97-AF65-F5344CB8AC3E}">
+        <p14:creationId xmlns:p14="http://schemas.microsoft.com/office/powerpoint/2010/main" val="126018344"/>
       </p:ext>
     </p:extLst>
   </p:cSld>
